--- a/资料/课件/OC/OC语言-1.6-属性&关键字和点语法.pptx
+++ b/资料/课件/OC/OC语言-1.6-属性&关键字和点语法.pptx
@@ -5,18 +5,24 @@
     <p:sldMasterId id="2147488748" r:id="rId1"/>
   </p:sldMasterIdLst>
   <p:notesMasterIdLst>
-    <p:notesMasterId r:id="rId3"/>
+    <p:notesMasterId r:id="rId9"/>
   </p:notesMasterIdLst>
   <p:handoutMasterIdLst>
-    <p:handoutMasterId r:id="rId4"/>
+    <p:handoutMasterId r:id="rId10"/>
   </p:handoutMasterIdLst>
   <p:sldIdLst>
     <p:sldId id="1551" r:id="rId2"/>
+    <p:sldId id="1552" r:id="rId3"/>
+    <p:sldId id="1553" r:id="rId4"/>
+    <p:sldId id="1554" r:id="rId5"/>
+    <p:sldId id="1555" r:id="rId6"/>
+    <p:sldId id="1556" r:id="rId7"/>
+    <p:sldId id="1557" r:id="rId8"/>
   </p:sldIdLst>
   <p:sldSz cx="9144000" cy="6858000" type="screen4x3"/>
   <p:notesSz cx="6797675" cy="9874250"/>
   <p:custDataLst>
-    <p:tags r:id="rId6"/>
+    <p:tags r:id="rId12"/>
   </p:custDataLst>
   <p:defaultTextStyle>
     <a:defPPr>
@@ -149,12 +155,18 @@
         <p14:section name="Default Section" id="{5009879F-230C-4AAA-9B60-41FFDFBA99F4}">
           <p14:sldIdLst>
             <p14:sldId id="1551"/>
+            <p14:sldId id="1552"/>
+            <p14:sldId id="1553"/>
+            <p14:sldId id="1554"/>
+            <p14:sldId id="1555"/>
+            <p14:sldId id="1556"/>
+            <p14:sldId id="1557"/>
           </p14:sldIdLst>
         </p14:section>
       </p14:sectionLst>
     </p:ext>
     <p:ext uri="{EFAFB233-063F-42B5-8137-9DF3F51BA10A}">
-      <p15:sldGuideLst xmlns:p15="http://schemas.microsoft.com/office/powerpoint/2012/main" xmlns="">
+      <p15:sldGuideLst xmlns="" xmlns:p15="http://schemas.microsoft.com/office/powerpoint/2012/main">
         <p15:guide id="1" orient="horz">
           <p15:clr>
             <a:srgbClr val="A4A3A4"/>
@@ -168,7 +180,7 @@
       </p15:sldGuideLst>
     </p:ext>
     <p:ext uri="{2D200454-40CA-4A62-9FC3-DE9A4176ACB9}">
-      <p15:notesGuideLst xmlns:p15="http://schemas.microsoft.com/office/powerpoint/2012/main" xmlns="">
+      <p15:notesGuideLst xmlns="" xmlns:p15="http://schemas.microsoft.com/office/powerpoint/2012/main">
         <p15:guide id="1" orient="horz" pos="3109">
           <p15:clr>
             <a:srgbClr val="A4A3A4"/>
@@ -272,7 +284,7 @@
                 <a:ea typeface="微软雅黑" pitchFamily="34" charset="-122"/>
               </a:rPr>
               <a:pPr/>
-              <a:t>15/3/18</a:t>
+              <a:t>15/3/29</a:t>
             </a:fld>
             <a:endParaRPr lang="zh-CN" altLang="en-US" dirty="0">
               <a:ea typeface="微软雅黑" pitchFamily="34" charset="-122"/>
@@ -476,7 +488,7 @@
             <a:fld id="{DF9E65B2-A0B4-4242-9432-201E84F17494}" type="datetime1">
               <a:rPr lang="en-US" smtClean="0"/>
               <a:pPr/>
-              <a:t>15/3/18</a:t>
+              <a:t>15/3/29</a:t>
             </a:fld>
             <a:endParaRPr lang="en-US" dirty="0"/>
           </a:p>
@@ -1405,7 +1417,7 @@
             <a:fld id="{055FF6D4-D4D7-426A-98F7-170A3668379E}" type="datetime1">
               <a:rPr lang="en-US" smtClean="0"/>
               <a:pPr/>
-              <a:t>15/3/18</a:t>
+              <a:t>15/3/29</a:t>
             </a:fld>
             <a:endParaRPr lang="en-US" dirty="0"/>
           </a:p>
@@ -2032,7 +2044,7 @@
             <a:fld id="{74CBEAF9-9E58-4CC8-A6FF-6DD8A58DEEA4}" type="datetimeFigureOut">
               <a:rPr lang="en-US" smtClean="0"/>
               <a:pPr eaLnBrk="1" latinLnBrk="0" hangingPunct="1"/>
-              <a:t>15/3/18</a:t>
+              <a:t>15/3/29</a:t>
             </a:fld>
             <a:endParaRPr lang="en-US"/>
           </a:p>
@@ -2550,7 +2562,7 @@
             <a:fld id="{74CBEAF9-9E58-4CC8-A6FF-6DD8A58DEEA4}" type="datetimeFigureOut">
               <a:rPr lang="en-US" smtClean="0"/>
               <a:pPr algn="l" eaLnBrk="1" latinLnBrk="0" hangingPunct="1"/>
-              <a:t>15/3/18</a:t>
+              <a:t>15/3/29</a:t>
             </a:fld>
             <a:endParaRPr lang="en-US" dirty="0">
               <a:solidFill>
@@ -3085,7 +3097,7 @@
             <a:fld id="{74CBEAF9-9E58-4CC8-A6FF-6DD8A58DEEA4}" type="datetimeFigureOut">
               <a:rPr lang="en-US" smtClean="0"/>
               <a:pPr algn="l" eaLnBrk="1" latinLnBrk="0" hangingPunct="1"/>
-              <a:t>15/3/18</a:t>
+              <a:t>15/3/29</a:t>
             </a:fld>
             <a:endParaRPr lang="en-US" dirty="0">
               <a:solidFill>
@@ -3921,7 +3933,7 @@
             <a:fld id="{74CBEAF9-9E58-4CC8-A6FF-6DD8A58DEEA4}" type="datetimeFigureOut">
               <a:rPr lang="en-US" smtClean="0"/>
               <a:pPr eaLnBrk="1" latinLnBrk="0" hangingPunct="1"/>
-              <a:t>15/3/18</a:t>
+              <a:t>15/3/29</a:t>
             </a:fld>
             <a:endParaRPr lang="en-US"/>
           </a:p>
@@ -4503,7 +4515,7 @@
             <a:fld id="{42295D47-465E-4A05-802B-049480555B6D}" type="datetime1">
               <a:rPr lang="en-US" smtClean="0"/>
               <a:pPr/>
-              <a:t>15/3/18</a:t>
+              <a:t>15/3/29</a:t>
             </a:fld>
             <a:endParaRPr lang="en-US"/>
           </a:p>
@@ -5134,7 +5146,7 @@
             <a:fld id="{74CBEAF9-9E58-4CC8-A6FF-6DD8A58DEEA4}" type="datetimeFigureOut">
               <a:rPr lang="en-US" smtClean="0"/>
               <a:pPr algn="l" eaLnBrk="1" latinLnBrk="0" hangingPunct="1"/>
-              <a:t>15/3/18</a:t>
+              <a:t>15/3/29</a:t>
             </a:fld>
             <a:endParaRPr lang="en-US" dirty="0">
               <a:solidFill>
@@ -5916,7 +5928,7 @@
             <a:fld id="{74CBEAF9-9E58-4CC8-A6FF-6DD8A58DEEA4}" type="datetimeFigureOut">
               <a:rPr lang="en-US" smtClean="0"/>
               <a:pPr eaLnBrk="1" latinLnBrk="0" hangingPunct="1"/>
-              <a:t>15/3/18</a:t>
+              <a:t>15/3/29</a:t>
             </a:fld>
             <a:endParaRPr lang="en-US"/>
           </a:p>
@@ -6377,7 +6389,7 @@
             <a:fld id="{74CBEAF9-9E58-4CC8-A6FF-6DD8A58DEEA4}" type="datetimeFigureOut">
               <a:rPr lang="en-US" smtClean="0"/>
               <a:pPr eaLnBrk="1" latinLnBrk="0" hangingPunct="1"/>
-              <a:t>15/3/18</a:t>
+              <a:t>15/3/29</a:t>
             </a:fld>
             <a:endParaRPr lang="en-US"/>
           </a:p>
@@ -6806,7 +6818,7 @@
             <a:fld id="{74CBEAF9-9E58-4CC8-A6FF-6DD8A58DEEA4}" type="datetimeFigureOut">
               <a:rPr lang="en-US" smtClean="0"/>
               <a:pPr eaLnBrk="1" latinLnBrk="0" hangingPunct="1"/>
-              <a:t>15/3/18</a:t>
+              <a:t>15/3/29</a:t>
             </a:fld>
             <a:endParaRPr lang="en-US"/>
           </a:p>
@@ -7427,7 +7439,7 @@
             <a:fld id="{74CBEAF9-9E58-4CC8-A6FF-6DD8A58DEEA4}" type="datetimeFigureOut">
               <a:rPr lang="en-US" smtClean="0"/>
               <a:pPr eaLnBrk="1" latinLnBrk="0" hangingPunct="1"/>
-              <a:t>15/3/18</a:t>
+              <a:t>15/3/29</a:t>
             </a:fld>
             <a:endParaRPr lang="en-US"/>
           </a:p>
@@ -7692,7 +7704,7 @@
             <a:fld id="{74CBEAF9-9E58-4CC8-A6FF-6DD8A58DEEA4}" type="datetimeFigureOut">
               <a:rPr lang="en-US" smtClean="0"/>
               <a:pPr algn="l" eaLnBrk="1" latinLnBrk="0" hangingPunct="1"/>
-              <a:t>15/3/18</a:t>
+              <a:t>15/3/29</a:t>
             </a:fld>
             <a:endParaRPr lang="en-US" dirty="0">
               <a:solidFill>
@@ -8356,8 +8368,16 @@
               <a:t>-</a:t>
             </a:r>
             <a:r>
-              <a:rPr lang="zh-CN" altLang="en-US" b="0" dirty="0"/>
-              <a:t>属性和点语法</a:t>
+              <a:rPr lang="zh-CN" altLang="en-US" b="0" dirty="0" smtClean="0"/>
+              <a:t>属性</a:t>
+            </a:r>
+            <a:r>
+              <a:rPr lang="zh-CN" altLang="en-US" b="0" dirty="0" smtClean="0"/>
+              <a:t>、关键字</a:t>
+            </a:r>
+            <a:r>
+              <a:rPr lang="zh-CN" altLang="en-US" b="0" dirty="0" smtClean="0"/>
+              <a:t>和点语法</a:t>
             </a:r>
             <a:endParaRPr kumimoji="1" lang="zh-CN" altLang="en-US" dirty="0"/>
           </a:p>
@@ -8448,7 +8468,6 @@
               <a:rPr kumimoji="1" lang="zh-CN" altLang="en-US" sz="3600" dirty="0"/>
               <a:t>关键字和点语法</a:t>
             </a:r>
-            <a:endParaRPr kumimoji="1" lang="zh-CN" altLang="en-US" sz="3600" dirty="0"/>
           </a:p>
         </p:txBody>
       </p:sp>
@@ -8456,6 +8475,2958 @@
     <p:extLst>
       <p:ext uri="{BB962C8B-B14F-4D97-AF65-F5344CB8AC3E}">
         <p14:creationId xmlns:p14="http://schemas.microsoft.com/office/powerpoint/2010/main" val="2973930980"/>
+      </p:ext>
+    </p:extLst>
+  </p:cSld>
+  <p:clrMapOvr>
+    <a:masterClrMapping/>
+  </p:clrMapOvr>
+  <p:timing>
+    <p:tnLst>
+      <p:par>
+        <p:cTn xmlns:p14="http://schemas.microsoft.com/office/powerpoint/2010/main" id="1" dur="indefinite" restart="never" nodeType="tmRoot"/>
+      </p:par>
+    </p:tnLst>
+  </p:timing>
+</p:sld>
+</file>
+
+<file path=ppt/slides/slide2.xml><?xml version="1.0" encoding="utf-8"?>
+<p:sld xmlns:a="http://schemas.openxmlformats.org/drawingml/2006/main" xmlns:r="http://schemas.openxmlformats.org/officeDocument/2006/relationships" xmlns:p="http://schemas.openxmlformats.org/presentationml/2006/main">
+  <p:cSld>
+    <p:spTree>
+      <p:nvGrpSpPr>
+        <p:cNvPr id="1" name=""/>
+        <p:cNvGrpSpPr/>
+        <p:nvPr/>
+      </p:nvGrpSpPr>
+      <p:grpSpPr>
+        <a:xfrm>
+          <a:off x="0" y="0"/>
+          <a:ext cx="0" cy="0"/>
+          <a:chOff x="0" y="0"/>
+          <a:chExt cx="0" cy="0"/>
+        </a:xfrm>
+      </p:grpSpPr>
+      <p:sp>
+        <p:nvSpPr>
+          <p:cNvPr id="2" name="标题 1"/>
+          <p:cNvSpPr>
+            <a:spLocks noGrp="1"/>
+          </p:cNvSpPr>
+          <p:nvPr>
+            <p:ph type="title"/>
+          </p:nvPr>
+        </p:nvSpPr>
+        <p:spPr/>
+        <p:txBody>
+          <a:bodyPr/>
+          <a:lstStyle/>
+          <a:p>
+            <a:r>
+              <a:rPr kumimoji="1" lang="en-US" altLang="zh-CN" dirty="0"/>
+              <a:t>@property</a:t>
+            </a:r>
+            <a:r>
+              <a:rPr kumimoji="1" lang="zh-CN" altLang="en-US" dirty="0" smtClean="0"/>
+              <a:t>参数</a:t>
+            </a:r>
+            <a:r>
+              <a:rPr kumimoji="1" lang="en-US" altLang="zh-CN" dirty="0" smtClean="0"/>
+              <a:t>(MRC)</a:t>
+            </a:r>
+            <a:endParaRPr kumimoji="1" lang="zh-CN" altLang="en-US" dirty="0"/>
+          </a:p>
+        </p:txBody>
+      </p:sp>
+      <p:sp>
+        <p:nvSpPr>
+          <p:cNvPr id="3" name="幻灯片编号占位符 2"/>
+          <p:cNvSpPr>
+            <a:spLocks noGrp="1"/>
+          </p:cNvSpPr>
+          <p:nvPr>
+            <p:ph type="sldNum" sz="quarter" idx="4"/>
+          </p:nvPr>
+        </p:nvSpPr>
+        <p:spPr/>
+        <p:txBody>
+          <a:bodyPr/>
+          <a:lstStyle/>
+          <a:p>
+            <a:fld id="{BF10DB53-D7D3-4DB6-A29F-40217B92EC88}" type="slidenum">
+              <a:rPr lang="en-US" smtClean="0"/>
+              <a:pPr/>
+              <a:t>1</a:t>
+            </a:fld>
+            <a:endParaRPr lang="en-US" dirty="0"/>
+          </a:p>
+        </p:txBody>
+      </p:sp>
+      <p:sp>
+        <p:nvSpPr>
+          <p:cNvPr id="5" name="文本框 4"/>
+          <p:cNvSpPr txBox="1"/>
+          <p:nvPr/>
+        </p:nvSpPr>
+        <p:spPr>
+          <a:xfrm>
+            <a:off x="251520" y="1556792"/>
+            <a:ext cx="8352928" cy="4893647"/>
+          </a:xfrm>
+          <a:prstGeom prst="rect">
+            <a:avLst/>
+          </a:prstGeom>
+          <a:noFill/>
+        </p:spPr>
+        <p:txBody>
+          <a:bodyPr wrap="square" rtlCol="0">
+            <a:spAutoFit/>
+          </a:bodyPr>
+          <a:lstStyle/>
+          <a:p>
+            <a:pPr lvl="0"/>
+            <a:r>
+              <a:rPr lang="zh-CN" altLang="zh-CN" sz="2400" dirty="0"/>
+              <a:t>控制</a:t>
+            </a:r>
+            <a:r>
+              <a:rPr lang="en-US" altLang="zh-CN" sz="2400" dirty="0"/>
+              <a:t>set</a:t>
+            </a:r>
+            <a:r>
+              <a:rPr lang="zh-CN" altLang="zh-CN" sz="2400" dirty="0"/>
+              <a:t>方法的内存管理</a:t>
+            </a:r>
+            <a:endParaRPr lang="en-US" altLang="zh-CN" sz="2400" dirty="0"/>
+          </a:p>
+          <a:p>
+            <a:pPr lvl="0">
+              <a:buFont typeface="Wingdings" charset="2"/>
+              <a:buChar char="Ø"/>
+            </a:pPr>
+            <a:r>
+              <a:rPr lang="en-US" altLang="zh-CN" sz="2400" dirty="0">
+                <a:solidFill>
+                  <a:srgbClr val="AA0D91"/>
+                </a:solidFill>
+                <a:latin typeface="Menlo-Regular"/>
+              </a:rPr>
+              <a:t>retain</a:t>
+            </a:r>
+            <a:r>
+              <a:rPr lang="en-US" altLang="zh-CN" sz="2400" dirty="0"/>
+              <a:t> </a:t>
+            </a:r>
+            <a:r>
+              <a:rPr lang="zh-CN" altLang="zh-CN" sz="2400" dirty="0"/>
+              <a:t>：</a:t>
+            </a:r>
+            <a:r>
+              <a:rPr lang="en-US" altLang="zh-CN" sz="2400" dirty="0"/>
+              <a:t> release</a:t>
+            </a:r>
+            <a:r>
+              <a:rPr lang="zh-CN" altLang="zh-CN" sz="2400" dirty="0"/>
+              <a:t>旧值，</a:t>
+            </a:r>
+            <a:r>
+              <a:rPr lang="en-US" altLang="zh-CN" sz="2400" dirty="0"/>
+              <a:t>retain</a:t>
+            </a:r>
+            <a:r>
+              <a:rPr lang="zh-CN" altLang="zh-CN" sz="2400" dirty="0"/>
+              <a:t>新值（用于</a:t>
+            </a:r>
+            <a:r>
+              <a:rPr lang="en-US" altLang="zh-CN" sz="2400" dirty="0"/>
+              <a:t>OC</a:t>
+            </a:r>
+            <a:r>
+              <a:rPr lang="zh-CN" altLang="zh-CN" sz="2400" dirty="0"/>
+              <a:t>对象）</a:t>
+            </a:r>
+            <a:endParaRPr lang="en-US" altLang="zh-CN" sz="2400" dirty="0"/>
+          </a:p>
+          <a:p>
+            <a:pPr lvl="0">
+              <a:buFont typeface="Wingdings" charset="2"/>
+              <a:buChar char="Ø"/>
+            </a:pPr>
+            <a:r>
+              <a:rPr lang="en-US" altLang="zh-CN" sz="2400" dirty="0">
+                <a:solidFill>
+                  <a:srgbClr val="AA0D91"/>
+                </a:solidFill>
+                <a:latin typeface="Menlo-Regular"/>
+              </a:rPr>
+              <a:t>assign</a:t>
+            </a:r>
+            <a:r>
+              <a:rPr lang="en-US" altLang="zh-CN" sz="2400" dirty="0"/>
+              <a:t> </a:t>
+            </a:r>
+            <a:r>
+              <a:rPr lang="zh-CN" altLang="zh-CN" sz="2400" dirty="0"/>
+              <a:t>： 直接赋值，不做任何内存管理</a:t>
+            </a:r>
+            <a:r>
+              <a:rPr lang="en-US" altLang="zh-CN" sz="2400" dirty="0"/>
+              <a:t>(</a:t>
+            </a:r>
+            <a:r>
+              <a:rPr lang="zh-CN" altLang="zh-CN" sz="2400" dirty="0">
+                <a:solidFill>
+                  <a:srgbClr val="FF0000"/>
+                </a:solidFill>
+              </a:rPr>
+              <a:t>默认</a:t>
+            </a:r>
+            <a:r>
+              <a:rPr lang="zh-CN" altLang="zh-CN" sz="2400" dirty="0"/>
+              <a:t>，用于非</a:t>
+            </a:r>
+            <a:r>
+              <a:rPr lang="en-US" altLang="zh-CN" sz="2400" dirty="0"/>
+              <a:t>OC</a:t>
+            </a:r>
+            <a:r>
+              <a:rPr lang="zh-CN" altLang="zh-CN" sz="2400" dirty="0"/>
+              <a:t>对象类型</a:t>
+            </a:r>
+            <a:r>
+              <a:rPr lang="en-US" altLang="zh-CN" sz="2400" dirty="0"/>
+              <a:t>)</a:t>
+            </a:r>
+          </a:p>
+          <a:p>
+            <a:pPr lvl="0">
+              <a:buFont typeface="Wingdings" charset="2"/>
+              <a:buChar char="Ø"/>
+            </a:pPr>
+            <a:r>
+              <a:rPr lang="en-US" altLang="zh-CN" sz="2400" dirty="0">
+                <a:solidFill>
+                  <a:srgbClr val="AA0D91"/>
+                </a:solidFill>
+                <a:latin typeface="Menlo-Regular"/>
+              </a:rPr>
+              <a:t>copy</a:t>
+            </a:r>
+            <a:r>
+              <a:rPr lang="en-US" altLang="zh-CN" sz="2400" dirty="0"/>
+              <a:t>   </a:t>
+            </a:r>
+            <a:r>
+              <a:rPr lang="zh-CN" altLang="zh-CN" sz="2400" dirty="0"/>
+              <a:t>：</a:t>
+            </a:r>
+            <a:r>
+              <a:rPr lang="en-US" altLang="zh-CN" sz="2400" dirty="0"/>
+              <a:t> release</a:t>
+            </a:r>
+            <a:r>
+              <a:rPr lang="zh-CN" altLang="zh-CN" sz="2400" dirty="0"/>
+              <a:t>旧值，</a:t>
+            </a:r>
+            <a:r>
+              <a:rPr lang="en-US" altLang="zh-CN" sz="2400" dirty="0"/>
+              <a:t>copy</a:t>
+            </a:r>
+            <a:r>
+              <a:rPr lang="zh-CN" altLang="zh-CN" sz="2400" dirty="0"/>
+              <a:t>新值（一般用于</a:t>
+            </a:r>
+            <a:r>
+              <a:rPr lang="en-US" altLang="zh-CN" sz="2400" dirty="0" err="1">
+                <a:solidFill>
+                  <a:srgbClr val="5C2699"/>
+                </a:solidFill>
+                <a:latin typeface="Menlo-Regular"/>
+              </a:rPr>
+              <a:t>NSString</a:t>
+            </a:r>
+            <a:r>
+              <a:rPr lang="en-US" altLang="zh-CN" sz="2400" dirty="0"/>
+              <a:t> *</a:t>
+            </a:r>
+            <a:r>
+              <a:rPr lang="zh-CN" altLang="zh-CN" sz="2400" dirty="0"/>
+              <a:t>）</a:t>
+            </a:r>
+            <a:endParaRPr lang="en-US" altLang="zh-CN" sz="2400" dirty="0"/>
+          </a:p>
+          <a:p>
+            <a:pPr lvl="0">
+              <a:buFont typeface="Wingdings" charset="2"/>
+              <a:buChar char="Ø"/>
+            </a:pPr>
+            <a:endParaRPr lang="en-US" altLang="zh-CN" sz="2400" dirty="0"/>
+          </a:p>
+          <a:p>
+            <a:r>
+              <a:rPr lang="zh-CN" altLang="zh-CN" sz="2400" dirty="0"/>
+              <a:t>控制需不需生成</a:t>
+            </a:r>
+            <a:r>
+              <a:rPr lang="en-US" altLang="zh-CN" sz="2400" dirty="0"/>
+              <a:t>set</a:t>
+            </a:r>
+            <a:r>
+              <a:rPr lang="zh-CN" altLang="zh-CN" sz="2400" dirty="0"/>
+              <a:t>方法</a:t>
+            </a:r>
+            <a:endParaRPr lang="en-US" altLang="zh-CN" sz="2400" dirty="0"/>
+          </a:p>
+          <a:p>
+            <a:pPr lvl="0">
+              <a:buFont typeface="Wingdings" charset="2"/>
+              <a:buChar char="Ø"/>
+            </a:pPr>
+            <a:r>
+              <a:rPr lang="en-US" altLang="zh-CN" sz="2400" dirty="0" err="1">
+                <a:solidFill>
+                  <a:srgbClr val="AA0D91"/>
+                </a:solidFill>
+                <a:latin typeface="Menlo-Regular"/>
+              </a:rPr>
+              <a:t>readwrite</a:t>
+            </a:r>
+            <a:r>
+              <a:rPr lang="en-US" altLang="zh-CN" sz="2400" dirty="0"/>
+              <a:t> </a:t>
+            </a:r>
+            <a:r>
+              <a:rPr lang="zh-CN" altLang="zh-CN" sz="2400" dirty="0"/>
+              <a:t>：同时生成</a:t>
+            </a:r>
+            <a:r>
+              <a:rPr lang="en-US" altLang="zh-CN" sz="2400" dirty="0"/>
+              <a:t>set</a:t>
+            </a:r>
+            <a:r>
+              <a:rPr lang="zh-CN" altLang="zh-CN" sz="2400" dirty="0"/>
+              <a:t>方法和</a:t>
+            </a:r>
+            <a:r>
+              <a:rPr lang="en-US" altLang="zh-CN" sz="2400" dirty="0"/>
+              <a:t>get</a:t>
+            </a:r>
+            <a:r>
+              <a:rPr lang="zh-CN" altLang="zh-CN" sz="2400" dirty="0"/>
+              <a:t>方法（</a:t>
+            </a:r>
+            <a:r>
+              <a:rPr lang="zh-CN" altLang="zh-CN" sz="2400" dirty="0">
+                <a:solidFill>
+                  <a:srgbClr val="FF0000"/>
+                </a:solidFill>
+              </a:rPr>
+              <a:t>默认</a:t>
+            </a:r>
+            <a:r>
+              <a:rPr lang="zh-CN" altLang="zh-CN" sz="2400" dirty="0"/>
+              <a:t>）</a:t>
+            </a:r>
+            <a:endParaRPr lang="en-US" altLang="zh-CN" sz="2400" dirty="0"/>
+          </a:p>
+          <a:p>
+            <a:pPr lvl="0">
+              <a:buFont typeface="Wingdings" charset="2"/>
+              <a:buChar char="Ø"/>
+            </a:pPr>
+            <a:r>
+              <a:rPr lang="en-US" altLang="zh-CN" sz="2400" dirty="0" err="1">
+                <a:solidFill>
+                  <a:srgbClr val="AA0D91"/>
+                </a:solidFill>
+                <a:latin typeface="Menlo-Regular"/>
+              </a:rPr>
+              <a:t>readonly</a:t>
+            </a:r>
+            <a:r>
+              <a:rPr lang="en-US" altLang="zh-CN" sz="2400" dirty="0"/>
+              <a:t>  </a:t>
+            </a:r>
+            <a:r>
+              <a:rPr lang="zh-CN" altLang="zh-CN" sz="2400" dirty="0"/>
+              <a:t>：只会生成</a:t>
+            </a:r>
+            <a:r>
+              <a:rPr lang="en-US" altLang="zh-CN" sz="2400" dirty="0"/>
+              <a:t>get</a:t>
+            </a:r>
+            <a:r>
+              <a:rPr lang="zh-CN" altLang="zh-CN" sz="2400" dirty="0"/>
+              <a:t>方法</a:t>
+            </a:r>
+            <a:endParaRPr lang="en-US" altLang="zh-CN" sz="2400" dirty="0"/>
+          </a:p>
+          <a:p>
+            <a:pPr lvl="0">
+              <a:buFont typeface="Wingdings" charset="2"/>
+              <a:buChar char="Ø"/>
+            </a:pPr>
+            <a:endParaRPr lang="en-US" altLang="zh-CN" sz="2400" dirty="0"/>
+          </a:p>
+          <a:p>
+            <a:r>
+              <a:rPr lang="zh-CN" altLang="zh-CN" sz="2400" dirty="0"/>
+              <a:t>多线程管理</a:t>
+            </a:r>
+            <a:endParaRPr lang="en-US" altLang="zh-CN" sz="2400" dirty="0"/>
+          </a:p>
+          <a:p>
+            <a:pPr lvl="0">
+              <a:buFont typeface="Wingdings" charset="2"/>
+              <a:buChar char="Ø"/>
+            </a:pPr>
+            <a:r>
+              <a:rPr lang="en-US" altLang="zh-CN" sz="2400" dirty="0">
+                <a:solidFill>
+                  <a:srgbClr val="AA0D91"/>
+                </a:solidFill>
+                <a:latin typeface="Menlo-Regular"/>
+              </a:rPr>
+              <a:t>atomic</a:t>
+            </a:r>
+            <a:r>
+              <a:rPr lang="en-US" altLang="zh-CN" sz="2400" dirty="0"/>
+              <a:t>    </a:t>
+            </a:r>
+            <a:r>
+              <a:rPr lang="zh-CN" altLang="zh-CN" sz="2400" dirty="0"/>
+              <a:t>：性能低（</a:t>
+            </a:r>
+            <a:r>
+              <a:rPr lang="zh-CN" altLang="zh-CN" sz="2400" dirty="0">
+                <a:solidFill>
+                  <a:srgbClr val="FF0000"/>
+                </a:solidFill>
+              </a:rPr>
+              <a:t>默认</a:t>
+            </a:r>
+            <a:r>
+              <a:rPr lang="zh-CN" altLang="zh-CN" sz="2400" dirty="0"/>
+              <a:t>）</a:t>
+            </a:r>
+            <a:endParaRPr lang="en-US" altLang="zh-CN" sz="2400" dirty="0"/>
+          </a:p>
+          <a:p>
+            <a:pPr lvl="0">
+              <a:buFont typeface="Wingdings" charset="2"/>
+              <a:buChar char="Ø"/>
+            </a:pPr>
+            <a:r>
+              <a:rPr lang="en-US" altLang="zh-CN" sz="2400" dirty="0" err="1">
+                <a:solidFill>
+                  <a:srgbClr val="AA0D91"/>
+                </a:solidFill>
+                <a:latin typeface="Menlo-Regular"/>
+              </a:rPr>
+              <a:t>nonatomic</a:t>
+            </a:r>
+            <a:r>
+              <a:rPr lang="en-US" altLang="zh-CN" sz="2400" dirty="0"/>
+              <a:t> </a:t>
+            </a:r>
+            <a:r>
+              <a:rPr lang="zh-CN" altLang="zh-CN" sz="2400" dirty="0"/>
+              <a:t>：性能高</a:t>
+            </a:r>
+            <a:endParaRPr lang="en-US" altLang="zh-CN" sz="2400" dirty="0"/>
+          </a:p>
+        </p:txBody>
+      </p:sp>
+    </p:spTree>
+    <p:extLst>
+      <p:ext uri="{BB962C8B-B14F-4D97-AF65-F5344CB8AC3E}">
+        <p14:creationId xmlns:p14="http://schemas.microsoft.com/office/powerpoint/2010/main" val="2084344770"/>
+      </p:ext>
+    </p:extLst>
+  </p:cSld>
+  <p:clrMapOvr>
+    <a:masterClrMapping/>
+  </p:clrMapOvr>
+  <p:timing>
+    <p:tnLst>
+      <p:par>
+        <p:cTn xmlns:p14="http://schemas.microsoft.com/office/powerpoint/2010/main" id="1" dur="indefinite" restart="never" nodeType="tmRoot"/>
+      </p:par>
+    </p:tnLst>
+  </p:timing>
+</p:sld>
+</file>
+
+<file path=ppt/slides/slide3.xml><?xml version="1.0" encoding="utf-8"?>
+<p:sld xmlns:a="http://schemas.openxmlformats.org/drawingml/2006/main" xmlns:r="http://schemas.openxmlformats.org/officeDocument/2006/relationships" xmlns:p="http://schemas.openxmlformats.org/presentationml/2006/main">
+  <p:cSld>
+    <p:spTree>
+      <p:nvGrpSpPr>
+        <p:cNvPr id="1" name=""/>
+        <p:cNvGrpSpPr/>
+        <p:nvPr/>
+      </p:nvGrpSpPr>
+      <p:grpSpPr>
+        <a:xfrm>
+          <a:off x="0" y="0"/>
+          <a:ext cx="0" cy="0"/>
+          <a:chOff x="0" y="0"/>
+          <a:chExt cx="0" cy="0"/>
+        </a:xfrm>
+      </p:grpSpPr>
+      <p:sp>
+        <p:nvSpPr>
+          <p:cNvPr id="2" name="标题 1"/>
+          <p:cNvSpPr>
+            <a:spLocks noGrp="1"/>
+          </p:cNvSpPr>
+          <p:nvPr>
+            <p:ph type="title"/>
+          </p:nvPr>
+        </p:nvSpPr>
+        <p:spPr/>
+        <p:txBody>
+          <a:bodyPr/>
+          <a:lstStyle/>
+          <a:p>
+            <a:r>
+              <a:rPr kumimoji="1" lang="en-US" altLang="zh-CN" dirty="0"/>
+              <a:t>@property</a:t>
+            </a:r>
+            <a:r>
+              <a:rPr kumimoji="1" lang="zh-CN" altLang="en-US" dirty="0"/>
+              <a:t>参数</a:t>
+            </a:r>
+            <a:endParaRPr kumimoji="1" lang="zh-CN" altLang="en-US" dirty="0"/>
+          </a:p>
+        </p:txBody>
+      </p:sp>
+      <p:sp>
+        <p:nvSpPr>
+          <p:cNvPr id="3" name="幻灯片编号占位符 2"/>
+          <p:cNvSpPr>
+            <a:spLocks noGrp="1"/>
+          </p:cNvSpPr>
+          <p:nvPr>
+            <p:ph type="sldNum" sz="quarter" idx="4"/>
+          </p:nvPr>
+        </p:nvSpPr>
+        <p:spPr/>
+        <p:txBody>
+          <a:bodyPr/>
+          <a:lstStyle/>
+          <a:p>
+            <a:fld id="{BF10DB53-D7D3-4DB6-A29F-40217B92EC88}" type="slidenum">
+              <a:rPr lang="en-US" smtClean="0"/>
+              <a:pPr/>
+              <a:t>2</a:t>
+            </a:fld>
+            <a:endParaRPr lang="en-US" dirty="0"/>
+          </a:p>
+        </p:txBody>
+      </p:sp>
+      <p:sp>
+        <p:nvSpPr>
+          <p:cNvPr id="5" name="文本框 4"/>
+          <p:cNvSpPr txBox="1"/>
+          <p:nvPr/>
+        </p:nvSpPr>
+        <p:spPr>
+          <a:xfrm>
+            <a:off x="251520" y="1268760"/>
+            <a:ext cx="8352928" cy="1723549"/>
+          </a:xfrm>
+          <a:prstGeom prst="rect">
+            <a:avLst/>
+          </a:prstGeom>
+          <a:noFill/>
+        </p:spPr>
+        <p:txBody>
+          <a:bodyPr wrap="square" rtlCol="0">
+            <a:spAutoFit/>
+          </a:bodyPr>
+          <a:lstStyle/>
+          <a:p>
+            <a:pPr lvl="0">
+              <a:lnSpc>
+                <a:spcPct val="150000"/>
+              </a:lnSpc>
+            </a:pPr>
+            <a:r>
+              <a:rPr lang="zh-CN" altLang="zh-CN" sz="2400" dirty="0"/>
+              <a:t>控制</a:t>
+            </a:r>
+            <a:r>
+              <a:rPr lang="en-US" altLang="zh-CN" sz="2400" dirty="0"/>
+              <a:t>set</a:t>
+            </a:r>
+            <a:r>
+              <a:rPr lang="zh-CN" altLang="zh-CN" sz="2400" dirty="0"/>
+              <a:t>方法和</a:t>
+            </a:r>
+            <a:r>
+              <a:rPr lang="en-US" altLang="zh-CN" sz="2400" dirty="0"/>
+              <a:t>get</a:t>
+            </a:r>
+            <a:r>
+              <a:rPr lang="zh-CN" altLang="zh-CN" sz="2400" dirty="0"/>
+              <a:t>方法的名称</a:t>
+            </a:r>
+            <a:endParaRPr lang="en-US" altLang="zh-CN" sz="2400" dirty="0"/>
+          </a:p>
+          <a:p>
+            <a:pPr lvl="0">
+              <a:lnSpc>
+                <a:spcPct val="150000"/>
+              </a:lnSpc>
+              <a:buFont typeface="Wingdings" charset="2"/>
+              <a:buChar char="Ø"/>
+            </a:pPr>
+            <a:r>
+              <a:rPr lang="en-US" altLang="zh-CN" sz="2400" dirty="0">
+                <a:solidFill>
+                  <a:srgbClr val="AA0D91"/>
+                </a:solidFill>
+                <a:latin typeface="Menlo-Regular"/>
+              </a:rPr>
+              <a:t>setter</a:t>
+            </a:r>
+            <a:r>
+              <a:rPr lang="en-US" altLang="zh-CN" sz="2400" dirty="0"/>
+              <a:t> </a:t>
+            </a:r>
+            <a:r>
+              <a:rPr lang="zh-CN" altLang="zh-CN" sz="2400" dirty="0"/>
+              <a:t>： 设置</a:t>
+            </a:r>
+            <a:r>
+              <a:rPr lang="en-US" altLang="zh-CN" sz="2400" dirty="0"/>
+              <a:t>set</a:t>
+            </a:r>
+            <a:r>
+              <a:rPr lang="zh-CN" altLang="zh-CN" sz="2400" dirty="0"/>
+              <a:t>方法的名称，一定有个冒号</a:t>
+            </a:r>
+            <a:r>
+              <a:rPr lang="en-US" altLang="zh-CN" sz="2400" dirty="0"/>
+              <a:t>:</a:t>
+            </a:r>
+          </a:p>
+          <a:p>
+            <a:pPr lvl="0">
+              <a:lnSpc>
+                <a:spcPct val="150000"/>
+              </a:lnSpc>
+              <a:buFont typeface="Wingdings" charset="2"/>
+              <a:buChar char="Ø"/>
+            </a:pPr>
+            <a:r>
+              <a:rPr lang="en-US" altLang="zh-CN" sz="2400" dirty="0">
+                <a:solidFill>
+                  <a:srgbClr val="AA0D91"/>
+                </a:solidFill>
+                <a:latin typeface="Menlo-Regular"/>
+              </a:rPr>
+              <a:t>getter</a:t>
+            </a:r>
+            <a:r>
+              <a:rPr lang="en-US" altLang="zh-CN" sz="2400" dirty="0"/>
+              <a:t> </a:t>
+            </a:r>
+            <a:r>
+              <a:rPr lang="zh-CN" altLang="zh-CN" sz="2400" dirty="0"/>
+              <a:t>： 设置</a:t>
+            </a:r>
+            <a:r>
+              <a:rPr lang="en-US" altLang="zh-CN" sz="2400" dirty="0"/>
+              <a:t>get</a:t>
+            </a:r>
+            <a:r>
+              <a:rPr lang="zh-CN" altLang="zh-CN" sz="2400" dirty="0"/>
+              <a:t>方法的名称</a:t>
+            </a:r>
+            <a:endParaRPr lang="en-US" altLang="zh-CN" sz="2400" dirty="0"/>
+          </a:p>
+        </p:txBody>
+      </p:sp>
+    </p:spTree>
+    <p:extLst>
+      <p:ext uri="{BB962C8B-B14F-4D97-AF65-F5344CB8AC3E}">
+        <p14:creationId xmlns:p14="http://schemas.microsoft.com/office/powerpoint/2010/main" val="3456482732"/>
+      </p:ext>
+    </p:extLst>
+  </p:cSld>
+  <p:clrMapOvr>
+    <a:masterClrMapping/>
+  </p:clrMapOvr>
+  <p:timing>
+    <p:tnLst>
+      <p:par>
+        <p:cTn xmlns:p14="http://schemas.microsoft.com/office/powerpoint/2010/main" id="1" dur="indefinite" restart="never" nodeType="tmRoot"/>
+      </p:par>
+    </p:tnLst>
+  </p:timing>
+</p:sld>
+</file>
+
+<file path=ppt/slides/slide4.xml><?xml version="1.0" encoding="utf-8"?>
+<p:sld xmlns:a="http://schemas.openxmlformats.org/drawingml/2006/main" xmlns:r="http://schemas.openxmlformats.org/officeDocument/2006/relationships" xmlns:p="http://schemas.openxmlformats.org/presentationml/2006/main">
+  <p:cSld>
+    <p:spTree>
+      <p:nvGrpSpPr>
+        <p:cNvPr id="1" name=""/>
+        <p:cNvGrpSpPr/>
+        <p:nvPr/>
+      </p:nvGrpSpPr>
+      <p:grpSpPr>
+        <a:xfrm>
+          <a:off x="0" y="0"/>
+          <a:ext cx="0" cy="0"/>
+          <a:chOff x="0" y="0"/>
+          <a:chExt cx="0" cy="0"/>
+        </a:xfrm>
+      </p:grpSpPr>
+      <p:sp>
+        <p:nvSpPr>
+          <p:cNvPr id="2" name="标题 1"/>
+          <p:cNvSpPr>
+            <a:spLocks noGrp="1"/>
+          </p:cNvSpPr>
+          <p:nvPr>
+            <p:ph type="title"/>
+          </p:nvPr>
+        </p:nvSpPr>
+        <p:spPr/>
+        <p:txBody>
+          <a:bodyPr/>
+          <a:lstStyle/>
+          <a:p>
+            <a:r>
+              <a:rPr kumimoji="1" lang="en-US" altLang="zh-CN" dirty="0"/>
+              <a:t>@class</a:t>
+            </a:r>
+            <a:endParaRPr kumimoji="1" lang="zh-CN" altLang="en-US" dirty="0"/>
+          </a:p>
+        </p:txBody>
+      </p:sp>
+      <p:sp>
+        <p:nvSpPr>
+          <p:cNvPr id="3" name="幻灯片编号占位符 2"/>
+          <p:cNvSpPr>
+            <a:spLocks noGrp="1"/>
+          </p:cNvSpPr>
+          <p:nvPr>
+            <p:ph type="sldNum" sz="quarter" idx="4"/>
+          </p:nvPr>
+        </p:nvSpPr>
+        <p:spPr/>
+        <p:txBody>
+          <a:bodyPr/>
+          <a:lstStyle/>
+          <a:p>
+            <a:fld id="{BF10DB53-D7D3-4DB6-A29F-40217B92EC88}" type="slidenum">
+              <a:rPr lang="en-US" smtClean="0"/>
+              <a:pPr/>
+              <a:t>3</a:t>
+            </a:fld>
+            <a:endParaRPr lang="en-US" dirty="0"/>
+          </a:p>
+        </p:txBody>
+      </p:sp>
+      <p:sp>
+        <p:nvSpPr>
+          <p:cNvPr id="5" name="文本框 4"/>
+          <p:cNvSpPr txBox="1"/>
+          <p:nvPr/>
+        </p:nvSpPr>
+        <p:spPr>
+          <a:xfrm>
+            <a:off x="251520" y="1268760"/>
+            <a:ext cx="8352928" cy="4154983"/>
+          </a:xfrm>
+          <a:prstGeom prst="rect">
+            <a:avLst/>
+          </a:prstGeom>
+          <a:noFill/>
+        </p:spPr>
+        <p:txBody>
+          <a:bodyPr wrap="square" rtlCol="0">
+            <a:spAutoFit/>
+          </a:bodyPr>
+          <a:lstStyle/>
+          <a:p>
+            <a:r>
+              <a:rPr lang="zh-CN" altLang="en-US" sz="2400" dirty="0"/>
+              <a:t>作用</a:t>
+            </a:r>
+            <a:endParaRPr lang="en-US" altLang="zh-CN" sz="2400" dirty="0"/>
+          </a:p>
+          <a:p>
+            <a:pPr>
+              <a:buFont typeface="Wingdings" charset="2"/>
+              <a:buChar char="Ø"/>
+            </a:pPr>
+            <a:r>
+              <a:rPr lang="zh-CN" altLang="zh-CN" sz="2400" dirty="0"/>
+              <a:t>可以</a:t>
+            </a:r>
+            <a:r>
+              <a:rPr lang="zh-CN" altLang="en-US" sz="2400" dirty="0"/>
+              <a:t>简单地</a:t>
+            </a:r>
+            <a:r>
+              <a:rPr lang="zh-CN" altLang="zh-CN" sz="2400" dirty="0"/>
+              <a:t>引用一个</a:t>
+            </a:r>
+            <a:r>
+              <a:rPr lang="zh-CN" altLang="en-US" sz="2400" dirty="0"/>
+              <a:t>类</a:t>
+            </a:r>
+            <a:endParaRPr lang="en-US" altLang="zh-CN" sz="2400" dirty="0"/>
+          </a:p>
+          <a:p>
+            <a:pPr>
+              <a:buFont typeface="Wingdings" charset="2"/>
+              <a:buChar char="Ø"/>
+            </a:pPr>
+            <a:endParaRPr lang="en-US" altLang="zh-CN" sz="2400" dirty="0"/>
+          </a:p>
+          <a:p>
+            <a:r>
+              <a:rPr lang="zh-CN" altLang="en-US" sz="2400" dirty="0"/>
+              <a:t>简单使用</a:t>
+            </a:r>
+            <a:endParaRPr lang="en-US" altLang="zh-CN" sz="2400" dirty="0"/>
+          </a:p>
+          <a:p>
+            <a:pPr>
+              <a:buFont typeface="Wingdings" charset="2"/>
+              <a:buChar char="Ø"/>
+            </a:pPr>
+            <a:r>
+              <a:rPr lang="en-US" altLang="zh-CN" sz="2400" dirty="0">
+                <a:solidFill>
+                  <a:srgbClr val="AA0D91"/>
+                </a:solidFill>
+                <a:latin typeface="Menlo-Regular"/>
+              </a:rPr>
+              <a:t>@class</a:t>
+            </a:r>
+            <a:r>
+              <a:rPr lang="en-US" altLang="zh-CN" sz="2400" dirty="0">
+                <a:solidFill>
+                  <a:srgbClr val="000000"/>
+                </a:solidFill>
+                <a:latin typeface="Menlo-Regular"/>
+              </a:rPr>
+              <a:t> </a:t>
+            </a:r>
+            <a:r>
+              <a:rPr lang="en-US" altLang="zh-CN" sz="2400" dirty="0">
+                <a:solidFill>
+                  <a:srgbClr val="80B226"/>
+                </a:solidFill>
+                <a:latin typeface="Menlo-Regular"/>
+              </a:rPr>
+              <a:t>Dog</a:t>
+            </a:r>
+            <a:r>
+              <a:rPr lang="en-US" altLang="zh-CN" sz="2400" dirty="0">
+                <a:solidFill>
+                  <a:srgbClr val="000000"/>
+                </a:solidFill>
+                <a:latin typeface="Menlo-Regular"/>
+              </a:rPr>
+              <a:t>;</a:t>
+            </a:r>
+          </a:p>
+          <a:p>
+            <a:pPr>
+              <a:buFont typeface="Wingdings" charset="2"/>
+              <a:buChar char="Ø"/>
+            </a:pPr>
+            <a:r>
+              <a:rPr lang="zh-CN" altLang="en-US" sz="2400" dirty="0">
+                <a:solidFill>
+                  <a:srgbClr val="000000"/>
+                </a:solidFill>
+                <a:latin typeface="Menlo-Regular"/>
+              </a:rPr>
+              <a:t>仅仅是告诉编译器</a:t>
+            </a:r>
+            <a:r>
+              <a:rPr lang="en-US" altLang="zh-CN" sz="2400" dirty="0">
+                <a:solidFill>
+                  <a:srgbClr val="000000"/>
+                </a:solidFill>
+                <a:latin typeface="Menlo-Regular"/>
+              </a:rPr>
+              <a:t>:</a:t>
+            </a:r>
+            <a:r>
+              <a:rPr lang="zh-CN" altLang="en-US" sz="2400" dirty="0">
+                <a:solidFill>
+                  <a:srgbClr val="000000"/>
+                </a:solidFill>
+                <a:latin typeface="Menlo-Regular"/>
+              </a:rPr>
+              <a:t> </a:t>
+            </a:r>
+            <a:r>
+              <a:rPr lang="en-US" altLang="zh-CN" sz="2400" dirty="0">
+                <a:solidFill>
+                  <a:srgbClr val="80B226"/>
+                </a:solidFill>
+                <a:latin typeface="Menlo-Regular"/>
+              </a:rPr>
+              <a:t>Dog</a:t>
+            </a:r>
+            <a:r>
+              <a:rPr lang="zh-CN" altLang="en-US" sz="2400" dirty="0">
+                <a:solidFill>
+                  <a:srgbClr val="000000"/>
+                </a:solidFill>
+                <a:latin typeface="Menlo-Regular"/>
+              </a:rPr>
+              <a:t>是一个类</a:t>
+            </a:r>
+            <a:r>
+              <a:rPr lang="en-US" altLang="zh-CN" sz="2400" dirty="0">
+                <a:solidFill>
+                  <a:srgbClr val="000000"/>
+                </a:solidFill>
+                <a:latin typeface="Menlo-Regular"/>
+              </a:rPr>
+              <a:t>;</a:t>
+            </a:r>
+            <a:r>
+              <a:rPr lang="zh-CN" altLang="en-US" sz="2400" dirty="0">
+                <a:solidFill>
+                  <a:srgbClr val="000000"/>
+                </a:solidFill>
+                <a:latin typeface="Menlo-Regular"/>
+              </a:rPr>
+              <a:t> 并不会包含</a:t>
+            </a:r>
+            <a:r>
+              <a:rPr lang="en-US" altLang="zh-CN" sz="2400" dirty="0">
+                <a:solidFill>
+                  <a:srgbClr val="80B226"/>
+                </a:solidFill>
+                <a:latin typeface="Menlo-Regular"/>
+              </a:rPr>
+              <a:t>Dog</a:t>
+            </a:r>
+            <a:r>
+              <a:rPr lang="zh-CN" altLang="en-US" sz="2400" dirty="0">
+                <a:solidFill>
+                  <a:srgbClr val="000000"/>
+                </a:solidFill>
+                <a:latin typeface="Menlo-Regular"/>
+              </a:rPr>
+              <a:t>这个类的所有内容</a:t>
+            </a:r>
+            <a:endParaRPr lang="en-US" altLang="zh-CN" sz="2400" dirty="0">
+              <a:solidFill>
+                <a:srgbClr val="000000"/>
+              </a:solidFill>
+              <a:latin typeface="Menlo-Regular"/>
+            </a:endParaRPr>
+          </a:p>
+          <a:p>
+            <a:pPr>
+              <a:buFont typeface="Wingdings" charset="2"/>
+              <a:buChar char="Ø"/>
+            </a:pPr>
+            <a:endParaRPr lang="en-US" altLang="zh-CN" sz="2400" dirty="0">
+              <a:solidFill>
+                <a:srgbClr val="000000"/>
+              </a:solidFill>
+              <a:latin typeface="Menlo-Regular"/>
+            </a:endParaRPr>
+          </a:p>
+          <a:p>
+            <a:r>
+              <a:rPr lang="zh-CN" altLang="en-US" sz="2400" dirty="0"/>
+              <a:t>具体使用</a:t>
+            </a:r>
+            <a:endParaRPr lang="en-US" altLang="zh-CN" sz="2400" dirty="0"/>
+          </a:p>
+          <a:p>
+            <a:pPr>
+              <a:buFont typeface="Wingdings" charset="2"/>
+              <a:buChar char="Ø"/>
+            </a:pPr>
+            <a:r>
+              <a:rPr lang="zh-CN" altLang="en-US" sz="2400" dirty="0"/>
+              <a:t>在</a:t>
+            </a:r>
+            <a:r>
+              <a:rPr lang="en-US" altLang="zh-CN" sz="2400" dirty="0"/>
+              <a:t>.h</a:t>
+            </a:r>
+            <a:r>
+              <a:rPr lang="zh-CN" altLang="en-US" sz="2400" dirty="0"/>
+              <a:t>文件中使用</a:t>
+            </a:r>
+            <a:r>
+              <a:rPr lang="en-US" altLang="zh-CN" sz="2400" dirty="0">
+                <a:solidFill>
+                  <a:srgbClr val="AA0D91"/>
+                </a:solidFill>
+                <a:latin typeface="Menlo-Regular"/>
+              </a:rPr>
+              <a:t>@class</a:t>
+            </a:r>
+            <a:r>
+              <a:rPr lang="zh-CN" altLang="en-US" sz="2400" dirty="0"/>
+              <a:t>引用一个类</a:t>
+            </a:r>
+            <a:endParaRPr lang="en-US" altLang="zh-CN" sz="2400" dirty="0"/>
+          </a:p>
+          <a:p>
+            <a:pPr>
+              <a:buFont typeface="Wingdings" charset="2"/>
+              <a:buChar char="Ø"/>
+            </a:pPr>
+            <a:r>
+              <a:rPr lang="zh-CN" altLang="en-US" sz="2400" dirty="0"/>
+              <a:t>在</a:t>
+            </a:r>
+            <a:r>
+              <a:rPr lang="en-US" altLang="zh-CN" sz="2400" dirty="0"/>
+              <a:t>.m</a:t>
+            </a:r>
+            <a:r>
+              <a:rPr lang="zh-CN" altLang="en-US" sz="2400" dirty="0"/>
+              <a:t>文件中使用</a:t>
+            </a:r>
+            <a:r>
+              <a:rPr lang="en-US" altLang="zh-CN" sz="2400" dirty="0">
+                <a:solidFill>
+                  <a:srgbClr val="643820"/>
+                </a:solidFill>
+                <a:latin typeface="Menlo-Regular"/>
+              </a:rPr>
+              <a:t>#import</a:t>
+            </a:r>
+            <a:r>
+              <a:rPr lang="zh-CN" altLang="en-US" sz="2400" dirty="0"/>
+              <a:t>包含这个类的</a:t>
+            </a:r>
+            <a:r>
+              <a:rPr lang="en-US" altLang="zh-CN" sz="2400" dirty="0"/>
+              <a:t>.h</a:t>
+            </a:r>
+            <a:r>
+              <a:rPr lang="zh-CN" altLang="en-US" sz="2400" dirty="0"/>
+              <a:t>文件</a:t>
+            </a:r>
+            <a:endParaRPr lang="en-US" altLang="zh-CN" sz="2400" dirty="0"/>
+          </a:p>
+        </p:txBody>
+      </p:sp>
+    </p:spTree>
+    <p:extLst>
+      <p:ext uri="{BB962C8B-B14F-4D97-AF65-F5344CB8AC3E}">
+        <p14:creationId xmlns:p14="http://schemas.microsoft.com/office/powerpoint/2010/main" val="1814759044"/>
+      </p:ext>
+    </p:extLst>
+  </p:cSld>
+  <p:clrMapOvr>
+    <a:masterClrMapping/>
+  </p:clrMapOvr>
+  <p:timing>
+    <p:tnLst>
+      <p:par>
+        <p:cTn xmlns:p14="http://schemas.microsoft.com/office/powerpoint/2010/main" id="1" dur="indefinite" restart="never" nodeType="tmRoot"/>
+      </p:par>
+    </p:tnLst>
+  </p:timing>
+</p:sld>
+</file>
+
+<file path=ppt/slides/slide5.xml><?xml version="1.0" encoding="utf-8"?>
+<p:sld xmlns:a="http://schemas.openxmlformats.org/drawingml/2006/main" xmlns:r="http://schemas.openxmlformats.org/officeDocument/2006/relationships" xmlns:p="http://schemas.openxmlformats.org/presentationml/2006/main">
+  <p:cSld>
+    <p:spTree>
+      <p:nvGrpSpPr>
+        <p:cNvPr id="1" name=""/>
+        <p:cNvGrpSpPr/>
+        <p:nvPr/>
+      </p:nvGrpSpPr>
+      <p:grpSpPr>
+        <a:xfrm>
+          <a:off x="0" y="0"/>
+          <a:ext cx="0" cy="0"/>
+          <a:chOff x="0" y="0"/>
+          <a:chExt cx="0" cy="0"/>
+        </a:xfrm>
+      </p:grpSpPr>
+      <p:sp>
+        <p:nvSpPr>
+          <p:cNvPr id="2" name="标题 1"/>
+          <p:cNvSpPr>
+            <a:spLocks noGrp="1"/>
+          </p:cNvSpPr>
+          <p:nvPr>
+            <p:ph type="title"/>
+          </p:nvPr>
+        </p:nvSpPr>
+        <p:spPr/>
+        <p:txBody>
+          <a:bodyPr/>
+          <a:lstStyle/>
+          <a:p>
+            <a:r>
+              <a:rPr kumimoji="1" lang="en-US" altLang="zh-CN" dirty="0"/>
+              <a:t>@class</a:t>
+            </a:r>
+            <a:r>
+              <a:rPr kumimoji="1" lang="zh-CN" altLang="en-US" dirty="0"/>
+              <a:t>和</a:t>
+            </a:r>
+            <a:r>
+              <a:rPr kumimoji="1" lang="en-US" altLang="zh-CN" dirty="0"/>
+              <a:t>#import</a:t>
+            </a:r>
+            <a:endParaRPr kumimoji="1" lang="zh-CN" altLang="en-US" dirty="0"/>
+          </a:p>
+        </p:txBody>
+      </p:sp>
+      <p:sp>
+        <p:nvSpPr>
+          <p:cNvPr id="3" name="幻灯片编号占位符 2"/>
+          <p:cNvSpPr>
+            <a:spLocks noGrp="1"/>
+          </p:cNvSpPr>
+          <p:nvPr>
+            <p:ph type="sldNum" sz="quarter" idx="4"/>
+          </p:nvPr>
+        </p:nvSpPr>
+        <p:spPr/>
+        <p:txBody>
+          <a:bodyPr/>
+          <a:lstStyle/>
+          <a:p>
+            <a:fld id="{BF10DB53-D7D3-4DB6-A29F-40217B92EC88}" type="slidenum">
+              <a:rPr lang="en-US" smtClean="0"/>
+              <a:pPr/>
+              <a:t>4</a:t>
+            </a:fld>
+            <a:endParaRPr lang="en-US" dirty="0"/>
+          </a:p>
+        </p:txBody>
+      </p:sp>
+      <p:sp>
+        <p:nvSpPr>
+          <p:cNvPr id="5" name="文本框 4"/>
+          <p:cNvSpPr txBox="1"/>
+          <p:nvPr/>
+        </p:nvSpPr>
+        <p:spPr>
+          <a:xfrm>
+            <a:off x="251520" y="1268760"/>
+            <a:ext cx="8352928" cy="4683333"/>
+          </a:xfrm>
+          <a:prstGeom prst="rect">
+            <a:avLst/>
+          </a:prstGeom>
+          <a:noFill/>
+        </p:spPr>
+        <p:txBody>
+          <a:bodyPr wrap="square" rtlCol="0">
+            <a:spAutoFit/>
+          </a:bodyPr>
+          <a:lstStyle/>
+          <a:p>
+            <a:pPr>
+              <a:lnSpc>
+                <a:spcPct val="150000"/>
+              </a:lnSpc>
+            </a:pPr>
+            <a:r>
+              <a:rPr lang="zh-CN" altLang="en-US" sz="2000" dirty="0">
+                <a:latin typeface="Menlo-Regular"/>
+              </a:rPr>
+              <a:t>作用上的区别</a:t>
+            </a:r>
+            <a:endParaRPr lang="en-US" altLang="zh-CN" sz="2000" dirty="0">
+              <a:latin typeface="Menlo-Regular"/>
+            </a:endParaRPr>
+          </a:p>
+          <a:p>
+            <a:pPr>
+              <a:lnSpc>
+                <a:spcPct val="150000"/>
+              </a:lnSpc>
+              <a:buFont typeface="Wingdings" charset="2"/>
+              <a:buChar char="Ø"/>
+            </a:pPr>
+            <a:r>
+              <a:rPr lang="en-US" altLang="zh-CN" sz="2000" dirty="0">
+                <a:solidFill>
+                  <a:srgbClr val="643820"/>
+                </a:solidFill>
+                <a:latin typeface="Menlo-Regular"/>
+              </a:rPr>
+              <a:t>#import</a:t>
+            </a:r>
+            <a:r>
+              <a:rPr kumimoji="1" lang="zh-CN" altLang="en-US" sz="2000" dirty="0"/>
+              <a:t>会包含引用类的所有信息</a:t>
+            </a:r>
+            <a:r>
+              <a:rPr kumimoji="1" lang="en-US" altLang="zh-CN" sz="2000" dirty="0"/>
+              <a:t>(</a:t>
+            </a:r>
+            <a:r>
+              <a:rPr kumimoji="1" lang="zh-CN" altLang="en-US" sz="2000" dirty="0"/>
+              <a:t>内容</a:t>
+            </a:r>
+            <a:r>
+              <a:rPr kumimoji="1" lang="en-US" altLang="zh-CN" sz="2000" dirty="0"/>
+              <a:t>),</a:t>
+            </a:r>
+            <a:r>
+              <a:rPr kumimoji="1" lang="zh-CN" altLang="en-US" sz="2000" dirty="0"/>
+              <a:t> 包括引用类的变量和方法</a:t>
+            </a:r>
+            <a:endParaRPr kumimoji="1" lang="en-US" altLang="zh-CN" sz="2000" dirty="0"/>
+          </a:p>
+          <a:p>
+            <a:pPr>
+              <a:lnSpc>
+                <a:spcPct val="150000"/>
+              </a:lnSpc>
+              <a:buFont typeface="Wingdings" charset="2"/>
+              <a:buChar char="Ø"/>
+            </a:pPr>
+            <a:r>
+              <a:rPr lang="en-US" altLang="zh-CN" sz="2000" dirty="0">
+                <a:solidFill>
+                  <a:srgbClr val="AA0D91"/>
+                </a:solidFill>
+                <a:latin typeface="Menlo-Regular"/>
+              </a:rPr>
+              <a:t>@class</a:t>
+            </a:r>
+            <a:r>
+              <a:rPr lang="zh-CN" altLang="en-US" sz="2000" dirty="0"/>
+              <a:t>仅仅是告诉编译器有这么一个类</a:t>
+            </a:r>
+            <a:r>
+              <a:rPr lang="en-US" altLang="zh-CN" sz="2000" dirty="0"/>
+              <a:t>,</a:t>
+            </a:r>
+            <a:r>
+              <a:rPr lang="zh-CN" altLang="en-US" sz="2000" dirty="0"/>
+              <a:t> </a:t>
+            </a:r>
+            <a:r>
+              <a:rPr lang="zh-CN" altLang="zh-CN" sz="2000" dirty="0"/>
+              <a:t>具体这个类里有什么信息</a:t>
+            </a:r>
+            <a:r>
+              <a:rPr lang="en-US" altLang="zh-CN" sz="2000" dirty="0"/>
+              <a:t>,</a:t>
+            </a:r>
+            <a:r>
+              <a:rPr lang="zh-CN" altLang="en-US" sz="2000" dirty="0"/>
+              <a:t> 完全不知</a:t>
+            </a:r>
+            <a:endParaRPr lang="en-US" altLang="zh-CN" sz="2000" dirty="0"/>
+          </a:p>
+          <a:p>
+            <a:pPr>
+              <a:lnSpc>
+                <a:spcPct val="150000"/>
+              </a:lnSpc>
+              <a:buFont typeface="Wingdings" charset="2"/>
+              <a:buChar char="Ø"/>
+            </a:pPr>
+            <a:endParaRPr kumimoji="1" lang="en-US" altLang="zh-CN" sz="2000" dirty="0"/>
+          </a:p>
+          <a:p>
+            <a:pPr>
+              <a:lnSpc>
+                <a:spcPct val="150000"/>
+              </a:lnSpc>
+            </a:pPr>
+            <a:r>
+              <a:rPr kumimoji="1" lang="zh-CN" altLang="en-US" sz="2000" dirty="0"/>
+              <a:t>效率上的区别</a:t>
+            </a:r>
+            <a:endParaRPr kumimoji="1" lang="en-US" altLang="zh-CN" sz="2000" dirty="0"/>
+          </a:p>
+          <a:p>
+            <a:pPr>
+              <a:lnSpc>
+                <a:spcPct val="150000"/>
+              </a:lnSpc>
+              <a:buFont typeface="Wingdings" charset="2"/>
+              <a:buChar char="Ø"/>
+            </a:pPr>
+            <a:r>
+              <a:rPr lang="zh-CN" altLang="zh-CN" sz="2000" dirty="0"/>
+              <a:t>如果有上百个头文件都</a:t>
+            </a:r>
+            <a:r>
+              <a:rPr lang="en-US" altLang="zh-CN" sz="2000" dirty="0">
+                <a:solidFill>
+                  <a:srgbClr val="643820"/>
+                </a:solidFill>
+                <a:latin typeface="Menlo-Regular"/>
+              </a:rPr>
+              <a:t>#import</a:t>
+            </a:r>
+            <a:r>
+              <a:rPr lang="zh-CN" altLang="zh-CN" sz="2000" dirty="0"/>
+              <a:t>了同一个文件，或者这些文件依次被</a:t>
+            </a:r>
+            <a:r>
+              <a:rPr lang="en-US" altLang="zh-CN" sz="2000" dirty="0">
+                <a:solidFill>
+                  <a:srgbClr val="643820"/>
+                </a:solidFill>
+                <a:latin typeface="Menlo-Regular"/>
+              </a:rPr>
+              <a:t>#import</a:t>
+            </a:r>
+            <a:r>
+              <a:rPr lang="en-US" altLang="zh-CN" sz="2000" dirty="0"/>
+              <a:t>,</a:t>
+            </a:r>
+            <a:r>
+              <a:rPr lang="zh-CN" altLang="zh-CN" sz="2000" dirty="0"/>
+              <a:t>那么一旦最开始的头文件稍有改动，后面引用到这个文件的所有类都需要重新编译一遍</a:t>
+            </a:r>
+            <a:r>
+              <a:rPr lang="en-US" altLang="zh-CN" sz="2000" dirty="0"/>
+              <a:t> ,</a:t>
+            </a:r>
+            <a:r>
+              <a:rPr lang="zh-CN" altLang="en-US" sz="2000" dirty="0"/>
+              <a:t> 编译效率非常低</a:t>
+            </a:r>
+            <a:endParaRPr lang="en-US" altLang="zh-CN" sz="2000" dirty="0"/>
+          </a:p>
+          <a:p>
+            <a:pPr>
+              <a:lnSpc>
+                <a:spcPct val="150000"/>
+              </a:lnSpc>
+              <a:buFont typeface="Wingdings" charset="2"/>
+              <a:buChar char="Ø"/>
+            </a:pPr>
+            <a:r>
+              <a:rPr lang="zh-CN" altLang="zh-CN" sz="2000" dirty="0"/>
+              <a:t>相对来讲，使用</a:t>
+            </a:r>
+            <a:r>
+              <a:rPr lang="en-US" altLang="zh-CN" sz="2000" dirty="0">
+                <a:solidFill>
+                  <a:srgbClr val="AA0D91"/>
+                </a:solidFill>
+                <a:latin typeface="Menlo-Regular"/>
+              </a:rPr>
+              <a:t>@class</a:t>
+            </a:r>
+            <a:r>
+              <a:rPr lang="zh-CN" altLang="zh-CN" sz="2000" dirty="0"/>
+              <a:t>方式就不会出现这种问题了</a:t>
+            </a:r>
+            <a:r>
+              <a:rPr lang="en-US" altLang="zh-CN" sz="2000" dirty="0"/>
+              <a:t> </a:t>
+            </a:r>
+            <a:endParaRPr kumimoji="1" lang="zh-CN" altLang="en-US" sz="2000" dirty="0"/>
+          </a:p>
+        </p:txBody>
+      </p:sp>
+    </p:spTree>
+    <p:extLst>
+      <p:ext uri="{BB962C8B-B14F-4D97-AF65-F5344CB8AC3E}">
+        <p14:creationId xmlns:p14="http://schemas.microsoft.com/office/powerpoint/2010/main" val="2556623013"/>
+      </p:ext>
+    </p:extLst>
+  </p:cSld>
+  <p:clrMapOvr>
+    <a:masterClrMapping/>
+  </p:clrMapOvr>
+  <p:timing>
+    <p:tnLst>
+      <p:par>
+        <p:cTn xmlns:p14="http://schemas.microsoft.com/office/powerpoint/2010/main" id="1" dur="indefinite" restart="never" nodeType="tmRoot"/>
+      </p:par>
+    </p:tnLst>
+  </p:timing>
+</p:sld>
+</file>
+
+<file path=ppt/slides/slide6.xml><?xml version="1.0" encoding="utf-8"?>
+<p:sld xmlns:a="http://schemas.openxmlformats.org/drawingml/2006/main" xmlns:r="http://schemas.openxmlformats.org/officeDocument/2006/relationships" xmlns:p="http://schemas.openxmlformats.org/presentationml/2006/main">
+  <p:cSld>
+    <p:spTree>
+      <p:nvGrpSpPr>
+        <p:cNvPr id="1" name=""/>
+        <p:cNvGrpSpPr/>
+        <p:nvPr/>
+      </p:nvGrpSpPr>
+      <p:grpSpPr>
+        <a:xfrm>
+          <a:off x="0" y="0"/>
+          <a:ext cx="0" cy="0"/>
+          <a:chOff x="0" y="0"/>
+          <a:chExt cx="0" cy="0"/>
+        </a:xfrm>
+      </p:grpSpPr>
+      <p:sp>
+        <p:nvSpPr>
+          <p:cNvPr id="2" name="标题 1"/>
+          <p:cNvSpPr>
+            <a:spLocks noGrp="1"/>
+          </p:cNvSpPr>
+          <p:nvPr>
+            <p:ph type="title"/>
+          </p:nvPr>
+        </p:nvSpPr>
+        <p:spPr/>
+        <p:txBody>
+          <a:bodyPr/>
+          <a:lstStyle/>
+          <a:p>
+            <a:r>
+              <a:rPr kumimoji="1" lang="en-US" altLang="zh-CN" dirty="0"/>
+              <a:t>@class</a:t>
+            </a:r>
+            <a:endParaRPr kumimoji="1" lang="zh-CN" altLang="en-US" dirty="0"/>
+          </a:p>
+        </p:txBody>
+      </p:sp>
+      <p:sp>
+        <p:nvSpPr>
+          <p:cNvPr id="3" name="幻灯片编号占位符 2"/>
+          <p:cNvSpPr>
+            <a:spLocks noGrp="1"/>
+          </p:cNvSpPr>
+          <p:nvPr>
+            <p:ph type="sldNum" sz="quarter" idx="4"/>
+          </p:nvPr>
+        </p:nvSpPr>
+        <p:spPr/>
+        <p:txBody>
+          <a:bodyPr/>
+          <a:lstStyle/>
+          <a:p>
+            <a:fld id="{BF10DB53-D7D3-4DB6-A29F-40217B92EC88}" type="slidenum">
+              <a:rPr lang="en-US" smtClean="0"/>
+              <a:pPr/>
+              <a:t>5</a:t>
+            </a:fld>
+            <a:endParaRPr lang="en-US" dirty="0"/>
+          </a:p>
+        </p:txBody>
+      </p:sp>
+      <p:sp>
+        <p:nvSpPr>
+          <p:cNvPr id="5" name="文本框 4"/>
+          <p:cNvSpPr txBox="1"/>
+          <p:nvPr/>
+        </p:nvSpPr>
+        <p:spPr>
+          <a:xfrm>
+            <a:off x="323528" y="1196752"/>
+            <a:ext cx="8352928" cy="849463"/>
+          </a:xfrm>
+          <a:prstGeom prst="rect">
+            <a:avLst/>
+          </a:prstGeom>
+          <a:noFill/>
+        </p:spPr>
+        <p:txBody>
+          <a:bodyPr wrap="square" rtlCol="0">
+            <a:spAutoFit/>
+          </a:bodyPr>
+          <a:lstStyle/>
+          <a:p>
+            <a:pPr marL="285750" indent="-285750">
+              <a:lnSpc>
+                <a:spcPct val="140000"/>
+              </a:lnSpc>
+              <a:buFont typeface="Wingdings" charset="2"/>
+              <a:buChar char="l"/>
+            </a:pPr>
+            <a:r>
+              <a:rPr lang="zh-CN" altLang="en-US" dirty="0"/>
+              <a:t>其他</a:t>
+            </a:r>
+            <a:r>
+              <a:rPr lang="zh-CN" altLang="zh-CN" dirty="0"/>
+              <a:t>使用场景</a:t>
+            </a:r>
+            <a:endParaRPr lang="en-US" altLang="zh-CN" dirty="0"/>
+          </a:p>
+          <a:p>
+            <a:pPr>
+              <a:lnSpc>
+                <a:spcPct val="140000"/>
+              </a:lnSpc>
+              <a:buFont typeface="Wingdings" charset="2"/>
+              <a:buChar char="Ø"/>
+            </a:pPr>
+            <a:r>
+              <a:rPr lang="zh-CN" altLang="zh-CN" dirty="0"/>
+              <a:t>对于循环依赖关系来说，比方</a:t>
+            </a:r>
+            <a:r>
+              <a:rPr lang="en-US" altLang="zh-CN" dirty="0"/>
+              <a:t>A</a:t>
+            </a:r>
+            <a:r>
+              <a:rPr lang="zh-CN" altLang="zh-CN" dirty="0"/>
+              <a:t>类引用</a:t>
+            </a:r>
+            <a:r>
+              <a:rPr lang="en-US" altLang="zh-CN" dirty="0"/>
+              <a:t>B</a:t>
+            </a:r>
+            <a:r>
+              <a:rPr lang="zh-CN" altLang="zh-CN" dirty="0"/>
+              <a:t>类，同时</a:t>
+            </a:r>
+            <a:r>
+              <a:rPr lang="en-US" altLang="zh-CN" dirty="0"/>
+              <a:t>B</a:t>
+            </a:r>
+            <a:r>
+              <a:rPr lang="zh-CN" altLang="zh-CN" dirty="0"/>
+              <a:t>类也引用</a:t>
+            </a:r>
+            <a:r>
+              <a:rPr lang="en-US" altLang="zh-CN" dirty="0"/>
+              <a:t>A</a:t>
+            </a:r>
+            <a:r>
+              <a:rPr lang="zh-CN" altLang="zh-CN" dirty="0" smtClean="0"/>
+              <a:t>类</a:t>
+            </a:r>
+            <a:endParaRPr lang="en-US" altLang="zh-CN" dirty="0"/>
+          </a:p>
+        </p:txBody>
+      </p:sp>
+      <p:sp>
+        <p:nvSpPr>
+          <p:cNvPr id="6" name="文本框 5"/>
+          <p:cNvSpPr txBox="1"/>
+          <p:nvPr/>
+        </p:nvSpPr>
+        <p:spPr>
+          <a:xfrm>
+            <a:off x="584875" y="2132856"/>
+            <a:ext cx="2670736" cy="1384995"/>
+          </a:xfrm>
+          <a:prstGeom prst="rect">
+            <a:avLst/>
+          </a:prstGeom>
+          <a:noFill/>
+          <a:ln>
+            <a:solidFill>
+              <a:srgbClr val="000000"/>
+            </a:solidFill>
+          </a:ln>
+        </p:spPr>
+        <p:txBody>
+          <a:bodyPr wrap="none" rtlCol="0">
+            <a:spAutoFit/>
+          </a:bodyPr>
+          <a:lstStyle/>
+          <a:p>
+            <a:r>
+              <a:rPr lang="en-US" altLang="zh-CN" sz="1400" dirty="0">
+                <a:solidFill>
+                  <a:srgbClr val="643820"/>
+                </a:solidFill>
+                <a:latin typeface="Menlo-Regular"/>
+              </a:rPr>
+              <a:t>#import </a:t>
+            </a:r>
+            <a:r>
+              <a:rPr lang="en-US" altLang="zh-CN" sz="1400" dirty="0">
+                <a:solidFill>
+                  <a:srgbClr val="C41A16"/>
+                </a:solidFill>
+                <a:latin typeface="Menlo-Regular"/>
+              </a:rPr>
+              <a:t>"</a:t>
+            </a:r>
+            <a:r>
+              <a:rPr lang="en-US" altLang="zh-CN" sz="1400" dirty="0" err="1">
+                <a:solidFill>
+                  <a:srgbClr val="C41A16"/>
+                </a:solidFill>
+                <a:latin typeface="Menlo-Regular"/>
+              </a:rPr>
+              <a:t>B.h</a:t>
+            </a:r>
+            <a:r>
+              <a:rPr lang="en-US" altLang="zh-CN" sz="1400" dirty="0">
+                <a:solidFill>
+                  <a:srgbClr val="C41A16"/>
+                </a:solidFill>
+                <a:latin typeface="Menlo-Regular"/>
+              </a:rPr>
+              <a:t>"</a:t>
+            </a:r>
+            <a:endParaRPr lang="en-US" altLang="zh-CN" sz="1400" dirty="0">
+              <a:solidFill>
+                <a:srgbClr val="643820"/>
+              </a:solidFill>
+              <a:latin typeface="Menlo-Regular"/>
+            </a:endParaRPr>
+          </a:p>
+          <a:p>
+            <a:r>
+              <a:rPr lang="en-US" altLang="zh-CN" sz="1400" dirty="0">
+                <a:solidFill>
+                  <a:srgbClr val="AA0D91"/>
+                </a:solidFill>
+                <a:latin typeface="Menlo-Regular"/>
+              </a:rPr>
+              <a:t>@interface</a:t>
+            </a:r>
+            <a:r>
+              <a:rPr lang="en-US" altLang="zh-CN" sz="1400" dirty="0">
+                <a:solidFill>
+                  <a:srgbClr val="000000"/>
+                </a:solidFill>
+                <a:latin typeface="Menlo-Regular"/>
+              </a:rPr>
+              <a:t> A : </a:t>
+            </a:r>
+            <a:r>
+              <a:rPr lang="en-US" altLang="zh-CN" sz="1400" dirty="0" err="1">
+                <a:solidFill>
+                  <a:srgbClr val="5C2699"/>
+                </a:solidFill>
+                <a:latin typeface="Menlo-Regular"/>
+              </a:rPr>
+              <a:t>NSObject</a:t>
+            </a:r>
+            <a:endParaRPr lang="en-US" altLang="zh-CN" sz="1400" dirty="0">
+              <a:solidFill>
+                <a:srgbClr val="000000"/>
+              </a:solidFill>
+              <a:latin typeface="Menlo-Regular"/>
+            </a:endParaRPr>
+          </a:p>
+          <a:p>
+            <a:r>
+              <a:rPr lang="en-US" altLang="zh-CN" sz="1400" dirty="0">
+                <a:solidFill>
+                  <a:srgbClr val="000000"/>
+                </a:solidFill>
+                <a:latin typeface="Menlo-Regular"/>
+              </a:rPr>
+              <a:t>{</a:t>
+            </a:r>
+          </a:p>
+          <a:p>
+            <a:r>
+              <a:rPr lang="en-US" altLang="zh-CN" sz="1400" dirty="0">
+                <a:solidFill>
+                  <a:srgbClr val="000000"/>
+                </a:solidFill>
+                <a:latin typeface="Menlo-Regular"/>
+              </a:rPr>
+              <a:t>    </a:t>
+            </a:r>
+            <a:r>
+              <a:rPr lang="en-US" altLang="zh-CN" sz="1400" dirty="0">
+                <a:solidFill>
+                  <a:schemeClr val="accent4">
+                    <a:lumMod val="60000"/>
+                    <a:lumOff val="40000"/>
+                  </a:schemeClr>
+                </a:solidFill>
+                <a:latin typeface="Menlo-Regular"/>
+              </a:rPr>
+              <a:t>B</a:t>
+            </a:r>
+            <a:r>
+              <a:rPr lang="en-US" altLang="zh-CN" sz="1400" dirty="0">
+                <a:solidFill>
+                  <a:srgbClr val="80B226"/>
+                </a:solidFill>
+                <a:latin typeface="Menlo-Regular"/>
+              </a:rPr>
+              <a:t> </a:t>
+            </a:r>
+            <a:r>
+              <a:rPr lang="en-US" altLang="zh-CN" sz="1400" dirty="0">
+                <a:solidFill>
+                  <a:srgbClr val="000000"/>
+                </a:solidFill>
+                <a:latin typeface="Menlo-Regular"/>
+              </a:rPr>
+              <a:t>*_b;</a:t>
+            </a:r>
+          </a:p>
+          <a:p>
+            <a:r>
+              <a:rPr lang="en-US" altLang="zh-CN" sz="1400" dirty="0">
+                <a:solidFill>
+                  <a:srgbClr val="000000"/>
+                </a:solidFill>
+                <a:latin typeface="Menlo-Regular"/>
+              </a:rPr>
+              <a:t>}</a:t>
+            </a:r>
+          </a:p>
+          <a:p>
+            <a:r>
+              <a:rPr lang="en-US" altLang="zh-CN" sz="1400" dirty="0">
+                <a:solidFill>
+                  <a:srgbClr val="AA0D91"/>
+                </a:solidFill>
+                <a:latin typeface="Menlo-Regular"/>
+              </a:rPr>
+              <a:t>@end</a:t>
+            </a:r>
+            <a:endParaRPr kumimoji="1" lang="zh-CN" altLang="en-US" sz="1400" dirty="0"/>
+          </a:p>
+        </p:txBody>
+      </p:sp>
+      <p:sp>
+        <p:nvSpPr>
+          <p:cNvPr id="7" name="文本框 6"/>
+          <p:cNvSpPr txBox="1"/>
+          <p:nvPr/>
+        </p:nvSpPr>
+        <p:spPr>
+          <a:xfrm>
+            <a:off x="4133512" y="2132856"/>
+            <a:ext cx="2670736" cy="1384995"/>
+          </a:xfrm>
+          <a:prstGeom prst="rect">
+            <a:avLst/>
+          </a:prstGeom>
+          <a:noFill/>
+          <a:ln>
+            <a:solidFill>
+              <a:schemeClr val="bg1"/>
+            </a:solidFill>
+          </a:ln>
+        </p:spPr>
+        <p:txBody>
+          <a:bodyPr wrap="none" rtlCol="0">
+            <a:spAutoFit/>
+          </a:bodyPr>
+          <a:lstStyle/>
+          <a:p>
+            <a:r>
+              <a:rPr lang="en-US" altLang="zh-CN" sz="1400" dirty="0">
+                <a:solidFill>
+                  <a:srgbClr val="643820"/>
+                </a:solidFill>
+                <a:latin typeface="Menlo-Regular"/>
+              </a:rPr>
+              <a:t>#import </a:t>
+            </a:r>
+            <a:r>
+              <a:rPr lang="en-US" altLang="zh-CN" sz="1400" dirty="0" smtClean="0">
+                <a:solidFill>
+                  <a:srgbClr val="C41A16"/>
+                </a:solidFill>
+                <a:latin typeface="Menlo-Regular"/>
+              </a:rPr>
+              <a:t>“</a:t>
+            </a:r>
+            <a:r>
+              <a:rPr lang="en-US" altLang="zh-CN" sz="1400" dirty="0" err="1" smtClean="0">
+                <a:solidFill>
+                  <a:srgbClr val="C41A16"/>
+                </a:solidFill>
+                <a:latin typeface="Menlo-Regular"/>
+              </a:rPr>
+              <a:t>A.h</a:t>
+            </a:r>
+            <a:r>
+              <a:rPr lang="en-US" altLang="zh-CN" sz="1400" dirty="0">
+                <a:solidFill>
+                  <a:srgbClr val="C41A16"/>
+                </a:solidFill>
+                <a:latin typeface="Menlo-Regular"/>
+              </a:rPr>
+              <a:t>"</a:t>
+            </a:r>
+            <a:endParaRPr lang="en-US" altLang="zh-CN" sz="1400" dirty="0">
+              <a:solidFill>
+                <a:srgbClr val="643820"/>
+              </a:solidFill>
+              <a:latin typeface="Menlo-Regular"/>
+            </a:endParaRPr>
+          </a:p>
+          <a:p>
+            <a:r>
+              <a:rPr lang="en-US" altLang="zh-CN" sz="1400" dirty="0">
+                <a:solidFill>
+                  <a:srgbClr val="AA0D91"/>
+                </a:solidFill>
+                <a:latin typeface="Menlo-Regular"/>
+              </a:rPr>
+              <a:t>@interface</a:t>
+            </a:r>
+            <a:r>
+              <a:rPr lang="en-US" altLang="zh-CN" sz="1400" dirty="0">
+                <a:solidFill>
+                  <a:srgbClr val="000000"/>
+                </a:solidFill>
+                <a:latin typeface="Menlo-Regular"/>
+              </a:rPr>
+              <a:t> </a:t>
+            </a:r>
+            <a:r>
+              <a:rPr lang="en-US" altLang="zh-CN" sz="1400" dirty="0" smtClean="0">
+                <a:solidFill>
+                  <a:srgbClr val="000000"/>
+                </a:solidFill>
+                <a:latin typeface="Menlo-Regular"/>
+              </a:rPr>
+              <a:t>B </a:t>
+            </a:r>
+            <a:r>
+              <a:rPr lang="en-US" altLang="zh-CN" sz="1400" dirty="0">
+                <a:solidFill>
+                  <a:srgbClr val="000000"/>
+                </a:solidFill>
+                <a:latin typeface="Menlo-Regular"/>
+              </a:rPr>
+              <a:t>: </a:t>
+            </a:r>
+            <a:r>
+              <a:rPr lang="en-US" altLang="zh-CN" sz="1400" dirty="0" err="1">
+                <a:solidFill>
+                  <a:srgbClr val="5C2699"/>
+                </a:solidFill>
+                <a:latin typeface="Menlo-Regular"/>
+              </a:rPr>
+              <a:t>NSObject</a:t>
+            </a:r>
+            <a:endParaRPr lang="en-US" altLang="zh-CN" sz="1400" dirty="0">
+              <a:solidFill>
+                <a:srgbClr val="000000"/>
+              </a:solidFill>
+              <a:latin typeface="Menlo-Regular"/>
+            </a:endParaRPr>
+          </a:p>
+          <a:p>
+            <a:r>
+              <a:rPr lang="en-US" altLang="zh-CN" sz="1400" dirty="0">
+                <a:solidFill>
+                  <a:srgbClr val="000000"/>
+                </a:solidFill>
+                <a:latin typeface="Menlo-Regular"/>
+              </a:rPr>
+              <a:t>{</a:t>
+            </a:r>
+          </a:p>
+          <a:p>
+            <a:r>
+              <a:rPr lang="en-US" altLang="zh-CN" sz="1400" dirty="0">
+                <a:solidFill>
+                  <a:srgbClr val="000000"/>
+                </a:solidFill>
+                <a:latin typeface="Menlo-Regular"/>
+              </a:rPr>
+              <a:t>    </a:t>
+            </a:r>
+            <a:r>
+              <a:rPr lang="en-US" altLang="zh-CN" sz="1400" dirty="0" smtClean="0">
+                <a:solidFill>
+                  <a:srgbClr val="ADDD68"/>
+                </a:solidFill>
+                <a:latin typeface="Menlo-Regular"/>
+              </a:rPr>
+              <a:t>A </a:t>
+            </a:r>
+            <a:r>
+              <a:rPr lang="en-US" altLang="zh-CN" sz="1400" dirty="0">
+                <a:solidFill>
+                  <a:srgbClr val="000000"/>
+                </a:solidFill>
+                <a:latin typeface="Menlo-Regular"/>
+              </a:rPr>
+              <a:t>*</a:t>
+            </a:r>
+            <a:r>
+              <a:rPr lang="en-US" altLang="zh-CN" sz="1400" dirty="0" smtClean="0">
+                <a:solidFill>
+                  <a:srgbClr val="000000"/>
+                </a:solidFill>
+                <a:latin typeface="Menlo-Regular"/>
+              </a:rPr>
+              <a:t>_a;</a:t>
+            </a:r>
+            <a:endParaRPr lang="en-US" altLang="zh-CN" sz="1400" dirty="0">
+              <a:solidFill>
+                <a:srgbClr val="000000"/>
+              </a:solidFill>
+              <a:latin typeface="Menlo-Regular"/>
+            </a:endParaRPr>
+          </a:p>
+          <a:p>
+            <a:r>
+              <a:rPr lang="en-US" altLang="zh-CN" sz="1400" dirty="0">
+                <a:solidFill>
+                  <a:srgbClr val="000000"/>
+                </a:solidFill>
+                <a:latin typeface="Menlo-Regular"/>
+              </a:rPr>
+              <a:t>}</a:t>
+            </a:r>
+          </a:p>
+          <a:p>
+            <a:r>
+              <a:rPr lang="en-US" altLang="zh-CN" sz="1400" dirty="0">
+                <a:solidFill>
+                  <a:srgbClr val="AA0D91"/>
+                </a:solidFill>
+                <a:latin typeface="Menlo-Regular"/>
+              </a:rPr>
+              <a:t>@end</a:t>
+            </a:r>
+            <a:endParaRPr kumimoji="1" lang="zh-CN" altLang="en-US" sz="1400" dirty="0"/>
+          </a:p>
+        </p:txBody>
+      </p:sp>
+      <p:sp>
+        <p:nvSpPr>
+          <p:cNvPr id="10" name="文本框 9"/>
+          <p:cNvSpPr txBox="1"/>
+          <p:nvPr/>
+        </p:nvSpPr>
+        <p:spPr>
+          <a:xfrm>
+            <a:off x="323528" y="3861048"/>
+            <a:ext cx="8352928" cy="849463"/>
+          </a:xfrm>
+          <a:prstGeom prst="rect">
+            <a:avLst/>
+          </a:prstGeom>
+          <a:noFill/>
+        </p:spPr>
+        <p:txBody>
+          <a:bodyPr wrap="square" rtlCol="0">
+            <a:spAutoFit/>
+          </a:bodyPr>
+          <a:lstStyle/>
+          <a:p>
+            <a:pPr>
+              <a:lnSpc>
+                <a:spcPct val="140000"/>
+              </a:lnSpc>
+              <a:buFont typeface="Wingdings" charset="2"/>
+              <a:buChar char="Ø"/>
+            </a:pPr>
+            <a:r>
+              <a:rPr lang="zh-CN" altLang="zh-CN" dirty="0"/>
+              <a:t>这种</a:t>
+            </a:r>
+            <a:r>
+              <a:rPr lang="zh-CN" altLang="en-US" dirty="0"/>
+              <a:t>嵌套包含的</a:t>
+            </a:r>
+            <a:r>
+              <a:rPr lang="zh-CN" altLang="zh-CN" dirty="0"/>
+              <a:t>代码编译会报错</a:t>
+            </a:r>
+            <a:r>
+              <a:rPr lang="en-US" altLang="zh-CN" dirty="0"/>
+              <a:t> </a:t>
+            </a:r>
+          </a:p>
+          <a:p>
+            <a:pPr>
+              <a:lnSpc>
+                <a:spcPct val="140000"/>
+              </a:lnSpc>
+              <a:buFont typeface="Wingdings" charset="2"/>
+              <a:buChar char="Ø"/>
+            </a:pPr>
+            <a:r>
+              <a:rPr lang="zh-CN" altLang="zh-CN" dirty="0"/>
+              <a:t>当使用</a:t>
+            </a:r>
+            <a:r>
+              <a:rPr lang="en-US" altLang="zh-CN" dirty="0">
+                <a:solidFill>
+                  <a:srgbClr val="AA0D91"/>
+                </a:solidFill>
+                <a:latin typeface="Menlo-Regular"/>
+              </a:rPr>
+              <a:t>@class</a:t>
+            </a:r>
+            <a:r>
+              <a:rPr lang="zh-CN" altLang="zh-CN" dirty="0"/>
+              <a:t>在两个类相互声明，就不会出现编译报错</a:t>
+            </a:r>
+            <a:endParaRPr kumimoji="1" lang="en-US" altLang="zh-CN" dirty="0"/>
+          </a:p>
+        </p:txBody>
+      </p:sp>
+      <p:sp>
+        <p:nvSpPr>
+          <p:cNvPr id="11" name="文本框 10"/>
+          <p:cNvSpPr txBox="1"/>
+          <p:nvPr/>
+        </p:nvSpPr>
+        <p:spPr>
+          <a:xfrm>
+            <a:off x="543490" y="4852317"/>
+            <a:ext cx="2670736" cy="1384995"/>
+          </a:xfrm>
+          <a:prstGeom prst="rect">
+            <a:avLst/>
+          </a:prstGeom>
+          <a:noFill/>
+          <a:ln>
+            <a:solidFill>
+              <a:srgbClr val="000000"/>
+            </a:solidFill>
+          </a:ln>
+        </p:spPr>
+        <p:txBody>
+          <a:bodyPr wrap="none" rtlCol="0">
+            <a:spAutoFit/>
+          </a:bodyPr>
+          <a:lstStyle/>
+          <a:p>
+            <a:r>
+              <a:rPr lang="en-US" altLang="zh-CN" sz="1400" dirty="0">
+                <a:solidFill>
+                  <a:srgbClr val="AA0D91"/>
+                </a:solidFill>
+                <a:latin typeface="Menlo-Regular"/>
+              </a:rPr>
+              <a:t>@class</a:t>
+            </a:r>
+            <a:r>
+              <a:rPr lang="en-US" altLang="zh-CN" sz="1400" dirty="0">
+                <a:solidFill>
+                  <a:srgbClr val="000000"/>
+                </a:solidFill>
+                <a:latin typeface="Menlo-Regular"/>
+              </a:rPr>
+              <a:t> </a:t>
+            </a:r>
+            <a:r>
+              <a:rPr lang="en-US" altLang="zh-CN" sz="1400" dirty="0">
+                <a:solidFill>
+                  <a:srgbClr val="ADDD68"/>
+                </a:solidFill>
+                <a:latin typeface="Menlo-Regular"/>
+              </a:rPr>
+              <a:t>B</a:t>
+            </a:r>
+            <a:r>
+              <a:rPr lang="en-US" altLang="zh-CN" sz="1400" dirty="0">
+                <a:solidFill>
+                  <a:srgbClr val="000000"/>
+                </a:solidFill>
+                <a:latin typeface="Menlo-Regular"/>
+              </a:rPr>
+              <a:t>;</a:t>
+            </a:r>
+          </a:p>
+          <a:p>
+            <a:r>
+              <a:rPr lang="en-US" altLang="zh-CN" sz="1400" dirty="0">
+                <a:solidFill>
+                  <a:srgbClr val="AA0D91"/>
+                </a:solidFill>
+                <a:latin typeface="Menlo-Regular"/>
+              </a:rPr>
+              <a:t>@interface</a:t>
+            </a:r>
+            <a:r>
+              <a:rPr lang="en-US" altLang="zh-CN" sz="1400" dirty="0">
+                <a:solidFill>
+                  <a:srgbClr val="000000"/>
+                </a:solidFill>
+                <a:latin typeface="Menlo-Regular"/>
+              </a:rPr>
+              <a:t> A : </a:t>
+            </a:r>
+            <a:r>
+              <a:rPr lang="en-US" altLang="zh-CN" sz="1400" dirty="0" err="1">
+                <a:solidFill>
+                  <a:srgbClr val="5C2699"/>
+                </a:solidFill>
+                <a:latin typeface="Menlo-Regular"/>
+              </a:rPr>
+              <a:t>NSObject</a:t>
+            </a:r>
+            <a:endParaRPr lang="en-US" altLang="zh-CN" sz="1400" dirty="0">
+              <a:solidFill>
+                <a:srgbClr val="000000"/>
+              </a:solidFill>
+              <a:latin typeface="Menlo-Regular"/>
+            </a:endParaRPr>
+          </a:p>
+          <a:p>
+            <a:r>
+              <a:rPr lang="en-US" altLang="zh-CN" sz="1400" dirty="0">
+                <a:solidFill>
+                  <a:srgbClr val="000000"/>
+                </a:solidFill>
+                <a:latin typeface="Menlo-Regular"/>
+              </a:rPr>
+              <a:t>{</a:t>
+            </a:r>
+          </a:p>
+          <a:p>
+            <a:r>
+              <a:rPr lang="en-US" altLang="zh-CN" sz="1400" dirty="0">
+                <a:solidFill>
+                  <a:srgbClr val="000000"/>
+                </a:solidFill>
+                <a:latin typeface="Menlo-Regular"/>
+              </a:rPr>
+              <a:t>    </a:t>
+            </a:r>
+            <a:r>
+              <a:rPr lang="en-US" altLang="zh-CN" sz="1400" dirty="0">
+                <a:solidFill>
+                  <a:srgbClr val="ADDD68"/>
+                </a:solidFill>
+                <a:latin typeface="Menlo-Regular"/>
+              </a:rPr>
+              <a:t>B</a:t>
+            </a:r>
+            <a:r>
+              <a:rPr lang="en-US" altLang="zh-CN" sz="1400" dirty="0">
+                <a:solidFill>
+                  <a:srgbClr val="000000"/>
+                </a:solidFill>
+                <a:latin typeface="Menlo-Regular"/>
+              </a:rPr>
+              <a:t> *_b;</a:t>
+            </a:r>
+          </a:p>
+          <a:p>
+            <a:r>
+              <a:rPr lang="en-US" altLang="zh-CN" sz="1400" dirty="0">
+                <a:solidFill>
+                  <a:srgbClr val="000000"/>
+                </a:solidFill>
+                <a:latin typeface="Menlo-Regular"/>
+              </a:rPr>
+              <a:t>}</a:t>
+            </a:r>
+          </a:p>
+          <a:p>
+            <a:r>
+              <a:rPr lang="en-US" altLang="zh-CN" sz="1400" dirty="0">
+                <a:solidFill>
+                  <a:srgbClr val="AA0D91"/>
+                </a:solidFill>
+                <a:latin typeface="Menlo-Regular"/>
+              </a:rPr>
+              <a:t>@end</a:t>
+            </a:r>
+            <a:endParaRPr lang="en-US" altLang="zh-CN" sz="1400" dirty="0">
+              <a:solidFill>
+                <a:srgbClr val="000000"/>
+              </a:solidFill>
+              <a:latin typeface="Menlo-Regular"/>
+            </a:endParaRPr>
+          </a:p>
+        </p:txBody>
+      </p:sp>
+      <p:sp>
+        <p:nvSpPr>
+          <p:cNvPr id="12" name="文本框 11"/>
+          <p:cNvSpPr txBox="1"/>
+          <p:nvPr/>
+        </p:nvSpPr>
+        <p:spPr>
+          <a:xfrm>
+            <a:off x="4205520" y="4852317"/>
+            <a:ext cx="2670736" cy="1384995"/>
+          </a:xfrm>
+          <a:prstGeom prst="rect">
+            <a:avLst/>
+          </a:prstGeom>
+          <a:noFill/>
+          <a:ln>
+            <a:solidFill>
+              <a:srgbClr val="000000"/>
+            </a:solidFill>
+          </a:ln>
+        </p:spPr>
+        <p:txBody>
+          <a:bodyPr wrap="none" rtlCol="0">
+            <a:spAutoFit/>
+          </a:bodyPr>
+          <a:lstStyle/>
+          <a:p>
+            <a:r>
+              <a:rPr lang="en-US" altLang="zh-CN" sz="1400" dirty="0">
+                <a:solidFill>
+                  <a:srgbClr val="AA0D91"/>
+                </a:solidFill>
+                <a:latin typeface="Menlo-Regular"/>
+              </a:rPr>
+              <a:t>@class</a:t>
+            </a:r>
+            <a:r>
+              <a:rPr lang="en-US" altLang="zh-CN" sz="1400" dirty="0">
+                <a:solidFill>
+                  <a:srgbClr val="000000"/>
+                </a:solidFill>
+                <a:latin typeface="Menlo-Regular"/>
+              </a:rPr>
+              <a:t> </a:t>
+            </a:r>
+            <a:r>
+              <a:rPr lang="en-US" altLang="zh-CN" sz="1400" dirty="0" smtClean="0">
+                <a:solidFill>
+                  <a:schemeClr val="accent4">
+                    <a:lumMod val="60000"/>
+                    <a:lumOff val="40000"/>
+                  </a:schemeClr>
+                </a:solidFill>
+                <a:latin typeface="Menlo-Regular"/>
+              </a:rPr>
+              <a:t>A</a:t>
+            </a:r>
+            <a:r>
+              <a:rPr lang="en-US" altLang="zh-CN" sz="1400" dirty="0" smtClean="0">
+                <a:solidFill>
+                  <a:srgbClr val="000000"/>
+                </a:solidFill>
+                <a:latin typeface="Menlo-Regular"/>
+              </a:rPr>
+              <a:t>;</a:t>
+            </a:r>
+            <a:endParaRPr lang="en-US" altLang="zh-CN" sz="1400" dirty="0">
+              <a:solidFill>
+                <a:srgbClr val="000000"/>
+              </a:solidFill>
+              <a:latin typeface="Menlo-Regular"/>
+            </a:endParaRPr>
+          </a:p>
+          <a:p>
+            <a:r>
+              <a:rPr lang="en-US" altLang="zh-CN" sz="1400" dirty="0">
+                <a:solidFill>
+                  <a:srgbClr val="AA0D91"/>
+                </a:solidFill>
+                <a:latin typeface="Menlo-Regular"/>
+              </a:rPr>
+              <a:t>@interface</a:t>
+            </a:r>
+            <a:r>
+              <a:rPr lang="en-US" altLang="zh-CN" sz="1400" dirty="0">
+                <a:solidFill>
+                  <a:srgbClr val="000000"/>
+                </a:solidFill>
+                <a:latin typeface="Menlo-Regular"/>
+              </a:rPr>
+              <a:t> </a:t>
+            </a:r>
+            <a:r>
+              <a:rPr lang="en-US" altLang="zh-CN" sz="1400" dirty="0" smtClean="0">
+                <a:solidFill>
+                  <a:srgbClr val="000000"/>
+                </a:solidFill>
+                <a:latin typeface="Menlo-Regular"/>
+              </a:rPr>
+              <a:t>B </a:t>
+            </a:r>
+            <a:r>
+              <a:rPr lang="en-US" altLang="zh-CN" sz="1400" dirty="0">
+                <a:solidFill>
+                  <a:srgbClr val="000000"/>
+                </a:solidFill>
+                <a:latin typeface="Menlo-Regular"/>
+              </a:rPr>
+              <a:t>: </a:t>
+            </a:r>
+            <a:r>
+              <a:rPr lang="en-US" altLang="zh-CN" sz="1400" dirty="0" err="1">
+                <a:solidFill>
+                  <a:srgbClr val="5C2699"/>
+                </a:solidFill>
+                <a:latin typeface="Menlo-Regular"/>
+              </a:rPr>
+              <a:t>NSObject</a:t>
+            </a:r>
+            <a:endParaRPr lang="en-US" altLang="zh-CN" sz="1400" dirty="0">
+              <a:solidFill>
+                <a:srgbClr val="000000"/>
+              </a:solidFill>
+              <a:latin typeface="Menlo-Regular"/>
+            </a:endParaRPr>
+          </a:p>
+          <a:p>
+            <a:r>
+              <a:rPr lang="en-US" altLang="zh-CN" sz="1400" dirty="0">
+                <a:solidFill>
+                  <a:srgbClr val="000000"/>
+                </a:solidFill>
+                <a:latin typeface="Menlo-Regular"/>
+              </a:rPr>
+              <a:t>{</a:t>
+            </a:r>
+          </a:p>
+          <a:p>
+            <a:r>
+              <a:rPr lang="en-US" altLang="zh-CN" sz="1400" dirty="0">
+                <a:solidFill>
+                  <a:srgbClr val="000000"/>
+                </a:solidFill>
+                <a:latin typeface="Menlo-Regular"/>
+              </a:rPr>
+              <a:t>    </a:t>
+            </a:r>
+            <a:r>
+              <a:rPr lang="en-US" altLang="zh-CN" sz="1400" dirty="0" smtClean="0">
+                <a:solidFill>
+                  <a:srgbClr val="ADDD68"/>
+                </a:solidFill>
+                <a:latin typeface="Menlo-Regular"/>
+              </a:rPr>
+              <a:t>A</a:t>
+            </a:r>
+            <a:r>
+              <a:rPr lang="en-US" altLang="zh-CN" sz="1400" dirty="0" smtClean="0">
+                <a:solidFill>
+                  <a:srgbClr val="000000"/>
+                </a:solidFill>
+                <a:latin typeface="Menlo-Regular"/>
+              </a:rPr>
+              <a:t> </a:t>
+            </a:r>
+            <a:r>
+              <a:rPr lang="en-US" altLang="zh-CN" sz="1400" dirty="0">
+                <a:solidFill>
+                  <a:srgbClr val="000000"/>
+                </a:solidFill>
+                <a:latin typeface="Menlo-Regular"/>
+              </a:rPr>
+              <a:t>*</a:t>
+            </a:r>
+            <a:r>
+              <a:rPr lang="en-US" altLang="zh-CN" sz="1400" dirty="0" smtClean="0">
+                <a:solidFill>
+                  <a:srgbClr val="000000"/>
+                </a:solidFill>
+                <a:latin typeface="Menlo-Regular"/>
+              </a:rPr>
+              <a:t>_a;</a:t>
+            </a:r>
+            <a:endParaRPr lang="en-US" altLang="zh-CN" sz="1400" dirty="0">
+              <a:solidFill>
+                <a:srgbClr val="000000"/>
+              </a:solidFill>
+              <a:latin typeface="Menlo-Regular"/>
+            </a:endParaRPr>
+          </a:p>
+          <a:p>
+            <a:r>
+              <a:rPr lang="en-US" altLang="zh-CN" sz="1400" dirty="0">
+                <a:solidFill>
+                  <a:srgbClr val="000000"/>
+                </a:solidFill>
+                <a:latin typeface="Menlo-Regular"/>
+              </a:rPr>
+              <a:t>}</a:t>
+            </a:r>
+          </a:p>
+          <a:p>
+            <a:r>
+              <a:rPr lang="en-US" altLang="zh-CN" sz="1400" dirty="0">
+                <a:solidFill>
+                  <a:srgbClr val="AA0D91"/>
+                </a:solidFill>
+                <a:latin typeface="Menlo-Regular"/>
+              </a:rPr>
+              <a:t>@end</a:t>
+            </a:r>
+            <a:endParaRPr lang="en-US" altLang="zh-CN" sz="1400" dirty="0">
+              <a:solidFill>
+                <a:srgbClr val="000000"/>
+              </a:solidFill>
+              <a:latin typeface="Menlo-Regular"/>
+            </a:endParaRPr>
+          </a:p>
+        </p:txBody>
+      </p:sp>
+    </p:spTree>
+    <p:extLst>
+      <p:ext uri="{BB962C8B-B14F-4D97-AF65-F5344CB8AC3E}">
+        <p14:creationId xmlns:p14="http://schemas.microsoft.com/office/powerpoint/2010/main" val="3151062949"/>
+      </p:ext>
+    </p:extLst>
+  </p:cSld>
+  <p:clrMapOvr>
+    <a:masterClrMapping/>
+  </p:clrMapOvr>
+  <p:timing>
+    <p:tnLst>
+      <p:par>
+        <p:cTn xmlns:p14="http://schemas.microsoft.com/office/powerpoint/2010/main" id="1" dur="indefinite" restart="never" nodeType="tmRoot">
+          <p:childTnLst>
+            <p:seq concurrent="1" nextAc="seek">
+              <p:cTn id="2" dur="indefinite" nodeType="mainSeq">
+                <p:childTnLst>
+                  <p:par>
+                    <p:cTn id="3" fill="hold">
+                      <p:stCondLst>
+                        <p:cond delay="indefinite"/>
+                      </p:stCondLst>
+                      <p:childTnLst>
+                        <p:par>
+                          <p:cTn id="4" fill="hold">
+                            <p:stCondLst>
+                              <p:cond delay="0"/>
+                            </p:stCondLst>
+                            <p:childTnLst>
+                              <p:par>
+                                <p:cTn id="5" presetID="1" presetClass="entr" presetSubtype="0" fill="hold" grpId="0" nodeType="clickEffect">
+                                  <p:stCondLst>
+                                    <p:cond delay="0"/>
+                                  </p:stCondLst>
+                                  <p:childTnLst>
+                                    <p:set>
+                                      <p:cBhvr>
+                                        <p:cTn id="6" dur="1" fill="hold">
+                                          <p:stCondLst>
+                                            <p:cond delay="0"/>
+                                          </p:stCondLst>
+                                        </p:cTn>
+                                        <p:tgtEl>
+                                          <p:spTgt spid="6"/>
+                                        </p:tgtEl>
+                                        <p:attrNameLst>
+                                          <p:attrName>style.visibility</p:attrName>
+                                        </p:attrNameLst>
+                                      </p:cBhvr>
+                                      <p:to>
+                                        <p:strVal val="visible"/>
+                                      </p:to>
+                                    </p:set>
+                                  </p:childTnLst>
+                                </p:cTn>
+                              </p:par>
+                            </p:childTnLst>
+                          </p:cTn>
+                        </p:par>
+                      </p:childTnLst>
+                    </p:cTn>
+                  </p:par>
+                  <p:par>
+                    <p:cTn id="7" fill="hold">
+                      <p:stCondLst>
+                        <p:cond delay="indefinite"/>
+                      </p:stCondLst>
+                      <p:childTnLst>
+                        <p:par>
+                          <p:cTn id="8" fill="hold">
+                            <p:stCondLst>
+                              <p:cond delay="0"/>
+                            </p:stCondLst>
+                            <p:childTnLst>
+                              <p:par>
+                                <p:cTn id="9" presetID="1" presetClass="entr" presetSubtype="0" fill="hold" grpId="0" nodeType="clickEffect">
+                                  <p:stCondLst>
+                                    <p:cond delay="0"/>
+                                  </p:stCondLst>
+                                  <p:childTnLst>
+                                    <p:set>
+                                      <p:cBhvr>
+                                        <p:cTn id="10" dur="1" fill="hold">
+                                          <p:stCondLst>
+                                            <p:cond delay="0"/>
+                                          </p:stCondLst>
+                                        </p:cTn>
+                                        <p:tgtEl>
+                                          <p:spTgt spid="7"/>
+                                        </p:tgtEl>
+                                        <p:attrNameLst>
+                                          <p:attrName>style.visibility</p:attrName>
+                                        </p:attrNameLst>
+                                      </p:cBhvr>
+                                      <p:to>
+                                        <p:strVal val="visible"/>
+                                      </p:to>
+                                    </p:set>
+                                  </p:childTnLst>
+                                </p:cTn>
+                              </p:par>
+                            </p:childTnLst>
+                          </p:cTn>
+                        </p:par>
+                      </p:childTnLst>
+                    </p:cTn>
+                  </p:par>
+                  <p:par>
+                    <p:cTn id="11" fill="hold">
+                      <p:stCondLst>
+                        <p:cond delay="indefinite"/>
+                      </p:stCondLst>
+                      <p:childTnLst>
+                        <p:par>
+                          <p:cTn id="12" fill="hold">
+                            <p:stCondLst>
+                              <p:cond delay="0"/>
+                            </p:stCondLst>
+                            <p:childTnLst>
+                              <p:par>
+                                <p:cTn id="13" presetID="1" presetClass="entr" presetSubtype="0" fill="hold" grpId="0" nodeType="clickEffect">
+                                  <p:stCondLst>
+                                    <p:cond delay="0"/>
+                                  </p:stCondLst>
+                                  <p:childTnLst>
+                                    <p:set>
+                                      <p:cBhvr>
+                                        <p:cTn id="14" dur="1" fill="hold">
+                                          <p:stCondLst>
+                                            <p:cond delay="0"/>
+                                          </p:stCondLst>
+                                        </p:cTn>
+                                        <p:tgtEl>
+                                          <p:spTgt spid="11"/>
+                                        </p:tgtEl>
+                                        <p:attrNameLst>
+                                          <p:attrName>style.visibility</p:attrName>
+                                        </p:attrNameLst>
+                                      </p:cBhvr>
+                                      <p:to>
+                                        <p:strVal val="visible"/>
+                                      </p:to>
+                                    </p:set>
+                                  </p:childTnLst>
+                                </p:cTn>
+                              </p:par>
+                            </p:childTnLst>
+                          </p:cTn>
+                        </p:par>
+                      </p:childTnLst>
+                    </p:cTn>
+                  </p:par>
+                  <p:par>
+                    <p:cTn id="15" fill="hold">
+                      <p:stCondLst>
+                        <p:cond delay="indefinite"/>
+                      </p:stCondLst>
+                      <p:childTnLst>
+                        <p:par>
+                          <p:cTn id="16" fill="hold">
+                            <p:stCondLst>
+                              <p:cond delay="0"/>
+                            </p:stCondLst>
+                            <p:childTnLst>
+                              <p:par>
+                                <p:cTn id="17" presetID="1" presetClass="entr" presetSubtype="0" fill="hold" grpId="0" nodeType="clickEffect">
+                                  <p:stCondLst>
+                                    <p:cond delay="0"/>
+                                  </p:stCondLst>
+                                  <p:childTnLst>
+                                    <p:set>
+                                      <p:cBhvr>
+                                        <p:cTn id="18" dur="1" fill="hold">
+                                          <p:stCondLst>
+                                            <p:cond delay="0"/>
+                                          </p:stCondLst>
+                                        </p:cTn>
+                                        <p:tgtEl>
+                                          <p:spTgt spid="12"/>
+                                        </p:tgtEl>
+                                        <p:attrNameLst>
+                                          <p:attrName>style.visibility</p:attrName>
+                                        </p:attrNameLst>
+                                      </p:cBhvr>
+                                      <p:to>
+                                        <p:strVal val="visible"/>
+                                      </p:to>
+                                    </p:set>
+                                  </p:childTnLst>
+                                </p:cTn>
+                              </p:par>
+                            </p:childTnLst>
+                          </p:cTn>
+                        </p:par>
+                      </p:childTnLst>
+                    </p:cTn>
+                  </p:par>
+                </p:childTnLst>
+              </p:cTn>
+              <p:prevCondLst>
+                <p:cond evt="onPrev" delay="0">
+                  <p:tgtEl>
+                    <p:sldTgt/>
+                  </p:tgtEl>
+                </p:cond>
+              </p:prevCondLst>
+              <p:nextCondLst>
+                <p:cond evt="onNext" delay="0">
+                  <p:tgtEl>
+                    <p:sldTgt/>
+                  </p:tgtEl>
+                </p:cond>
+              </p:nextCondLst>
+            </p:seq>
+          </p:childTnLst>
+        </p:cTn>
+      </p:par>
+    </p:tnLst>
+    <p:bldLst>
+      <p:bldP spid="6" grpId="0" animBg="1"/>
+      <p:bldP spid="7" grpId="0" animBg="1"/>
+      <p:bldP spid="11" grpId="0" animBg="1"/>
+      <p:bldP spid="12" grpId="0" animBg="1"/>
+    </p:bldLst>
+  </p:timing>
+</p:sld>
+</file>
+
+<file path=ppt/slides/slide7.xml><?xml version="1.0" encoding="utf-8"?>
+<p:sld xmlns:a="http://schemas.openxmlformats.org/drawingml/2006/main" xmlns:r="http://schemas.openxmlformats.org/officeDocument/2006/relationships" xmlns:p="http://schemas.openxmlformats.org/presentationml/2006/main">
+  <p:cSld>
+    <p:spTree>
+      <p:nvGrpSpPr>
+        <p:cNvPr id="1" name=""/>
+        <p:cNvGrpSpPr/>
+        <p:nvPr/>
+      </p:nvGrpSpPr>
+      <p:grpSpPr>
+        <a:xfrm>
+          <a:off x="0" y="0"/>
+          <a:ext cx="0" cy="0"/>
+          <a:chOff x="0" y="0"/>
+          <a:chExt cx="0" cy="0"/>
+        </a:xfrm>
+      </p:grpSpPr>
+      <p:sp>
+        <p:nvSpPr>
+          <p:cNvPr id="2" name="标题 1"/>
+          <p:cNvSpPr>
+            <a:spLocks noGrp="1"/>
+          </p:cNvSpPr>
+          <p:nvPr>
+            <p:ph type="title"/>
+          </p:nvPr>
+        </p:nvSpPr>
+        <p:spPr/>
+        <p:txBody>
+          <a:bodyPr/>
+          <a:lstStyle/>
+          <a:p>
+            <a:r>
+              <a:rPr kumimoji="1" lang="zh-CN" altLang="en-US" dirty="0"/>
+              <a:t>循环</a:t>
+            </a:r>
+            <a:r>
+              <a:rPr kumimoji="1" lang="en-US" altLang="zh-CN" dirty="0" err="1"/>
+              <a:t>retian</a:t>
+            </a:r>
+            <a:endParaRPr kumimoji="1" lang="zh-CN" altLang="en-US" dirty="0"/>
+          </a:p>
+        </p:txBody>
+      </p:sp>
+      <p:sp>
+        <p:nvSpPr>
+          <p:cNvPr id="3" name="幻灯片编号占位符 2"/>
+          <p:cNvSpPr>
+            <a:spLocks noGrp="1"/>
+          </p:cNvSpPr>
+          <p:nvPr>
+            <p:ph type="sldNum" sz="quarter" idx="4"/>
+          </p:nvPr>
+        </p:nvSpPr>
+        <p:spPr/>
+        <p:txBody>
+          <a:bodyPr/>
+          <a:lstStyle/>
+          <a:p>
+            <a:fld id="{BF10DB53-D7D3-4DB6-A29F-40217B92EC88}" type="slidenum">
+              <a:rPr lang="en-US" smtClean="0"/>
+              <a:pPr/>
+              <a:t>6</a:t>
+            </a:fld>
+            <a:endParaRPr lang="en-US" dirty="0"/>
+          </a:p>
+        </p:txBody>
+      </p:sp>
+      <p:sp>
+        <p:nvSpPr>
+          <p:cNvPr id="5" name="文本框 4"/>
+          <p:cNvSpPr txBox="1"/>
+          <p:nvPr/>
+        </p:nvSpPr>
+        <p:spPr>
+          <a:xfrm>
+            <a:off x="251520" y="1268760"/>
+            <a:ext cx="8352928" cy="3277820"/>
+          </a:xfrm>
+          <a:prstGeom prst="rect">
+            <a:avLst/>
+          </a:prstGeom>
+          <a:noFill/>
+        </p:spPr>
+        <p:txBody>
+          <a:bodyPr wrap="square" rtlCol="0">
+            <a:spAutoFit/>
+          </a:bodyPr>
+          <a:lstStyle/>
+          <a:p>
+            <a:pPr lvl="0">
+              <a:lnSpc>
+                <a:spcPct val="130000"/>
+              </a:lnSpc>
+            </a:pPr>
+            <a:r>
+              <a:rPr lang="zh-CN" altLang="en-US" sz="2000" dirty="0"/>
+              <a:t>循环</a:t>
+            </a:r>
+            <a:r>
+              <a:rPr lang="en-US" altLang="zh-CN" sz="2000" dirty="0">
+                <a:solidFill>
+                  <a:srgbClr val="AA0D91"/>
+                </a:solidFill>
+                <a:latin typeface="Menlo-Regular"/>
+              </a:rPr>
+              <a:t>retain</a:t>
+            </a:r>
+            <a:r>
+              <a:rPr lang="zh-CN" altLang="en-US" sz="2000" dirty="0"/>
+              <a:t>的场景</a:t>
+            </a:r>
+            <a:endParaRPr lang="en-US" altLang="zh-CN" sz="2000" dirty="0"/>
+          </a:p>
+          <a:p>
+            <a:pPr>
+              <a:lnSpc>
+                <a:spcPct val="130000"/>
+              </a:lnSpc>
+              <a:buFont typeface="Wingdings" charset="2"/>
+              <a:buChar char="Ø"/>
+            </a:pPr>
+            <a:r>
+              <a:rPr lang="zh-CN" altLang="zh-CN" sz="2000" dirty="0"/>
+              <a:t>比如</a:t>
+            </a:r>
+            <a:r>
+              <a:rPr lang="en-US" altLang="zh-CN" sz="2000" dirty="0"/>
+              <a:t>A</a:t>
+            </a:r>
+            <a:r>
+              <a:rPr lang="zh-CN" altLang="zh-CN" sz="2000" dirty="0"/>
+              <a:t>对象</a:t>
+            </a:r>
+            <a:r>
+              <a:rPr lang="en-US" altLang="zh-CN" sz="2000" dirty="0">
+                <a:solidFill>
+                  <a:srgbClr val="AA0D91"/>
+                </a:solidFill>
+                <a:latin typeface="Menlo-Regular"/>
+              </a:rPr>
+              <a:t>retain</a:t>
+            </a:r>
+            <a:r>
+              <a:rPr lang="zh-CN" altLang="zh-CN" sz="2000" dirty="0"/>
+              <a:t>了</a:t>
+            </a:r>
+            <a:r>
+              <a:rPr lang="en-US" altLang="zh-CN" sz="2000" dirty="0"/>
+              <a:t>B</a:t>
+            </a:r>
+            <a:r>
+              <a:rPr lang="zh-CN" altLang="zh-CN" sz="2000" dirty="0"/>
+              <a:t>对象，</a:t>
+            </a:r>
+            <a:r>
+              <a:rPr lang="en-US" altLang="zh-CN" sz="2000" dirty="0"/>
+              <a:t>B</a:t>
+            </a:r>
+            <a:r>
+              <a:rPr lang="zh-CN" altLang="zh-CN" sz="2000" dirty="0"/>
+              <a:t>对象</a:t>
+            </a:r>
+            <a:r>
+              <a:rPr lang="en-US" altLang="zh-CN" sz="2000" dirty="0">
+                <a:solidFill>
+                  <a:srgbClr val="AA0D91"/>
+                </a:solidFill>
+                <a:latin typeface="Menlo-Regular"/>
+              </a:rPr>
+              <a:t>retain</a:t>
+            </a:r>
+            <a:r>
+              <a:rPr lang="zh-CN" altLang="zh-CN" sz="2000" dirty="0"/>
+              <a:t>了</a:t>
+            </a:r>
+            <a:r>
+              <a:rPr lang="en-US" altLang="zh-CN" sz="2000" dirty="0"/>
+              <a:t>A</a:t>
+            </a:r>
+            <a:r>
+              <a:rPr lang="zh-CN" altLang="zh-CN" sz="2000" dirty="0"/>
+              <a:t>对象</a:t>
+            </a:r>
+            <a:endParaRPr lang="en-US" altLang="zh-CN" sz="2000" dirty="0"/>
+          </a:p>
+          <a:p>
+            <a:pPr lvl="0">
+              <a:lnSpc>
+                <a:spcPct val="130000"/>
+              </a:lnSpc>
+              <a:buFont typeface="Wingdings" charset="2"/>
+              <a:buChar char="Ø"/>
+            </a:pPr>
+            <a:endParaRPr lang="en-US" altLang="zh-CN" sz="2000" dirty="0"/>
+          </a:p>
+          <a:p>
+            <a:pPr lvl="0">
+              <a:lnSpc>
+                <a:spcPct val="130000"/>
+              </a:lnSpc>
+            </a:pPr>
+            <a:r>
+              <a:rPr lang="zh-CN" altLang="en-US" sz="2000" dirty="0"/>
+              <a:t>循环</a:t>
+            </a:r>
+            <a:r>
+              <a:rPr lang="en-US" altLang="zh-CN" sz="2000" dirty="0">
+                <a:solidFill>
+                  <a:srgbClr val="AA0D91"/>
+                </a:solidFill>
+                <a:latin typeface="Menlo-Regular"/>
+              </a:rPr>
+              <a:t>retain</a:t>
+            </a:r>
+            <a:r>
+              <a:rPr lang="zh-CN" altLang="en-US" sz="2000" dirty="0"/>
+              <a:t>的弊端</a:t>
+            </a:r>
+            <a:endParaRPr lang="en-US" altLang="zh-CN" sz="2000" dirty="0"/>
+          </a:p>
+          <a:p>
+            <a:pPr lvl="0">
+              <a:lnSpc>
+                <a:spcPct val="130000"/>
+              </a:lnSpc>
+              <a:buFont typeface="Wingdings" charset="2"/>
+              <a:buChar char="Ø"/>
+            </a:pPr>
+            <a:r>
+              <a:rPr lang="zh-CN" altLang="zh-CN" sz="2000" dirty="0"/>
+              <a:t>这样会导致</a:t>
+            </a:r>
+            <a:r>
+              <a:rPr lang="en-US" altLang="zh-CN" sz="2000" dirty="0"/>
+              <a:t>A</a:t>
+            </a:r>
+            <a:r>
+              <a:rPr lang="zh-CN" altLang="zh-CN" sz="2000" dirty="0"/>
+              <a:t>对象和</a:t>
+            </a:r>
+            <a:r>
+              <a:rPr lang="en-US" altLang="zh-CN" sz="2000" dirty="0"/>
+              <a:t>B</a:t>
+            </a:r>
+            <a:r>
+              <a:rPr lang="zh-CN" altLang="zh-CN" sz="2000" dirty="0"/>
+              <a:t>对象永远无法释放</a:t>
+            </a:r>
+            <a:endParaRPr lang="en-US" altLang="zh-CN" sz="2000" dirty="0"/>
+          </a:p>
+          <a:p>
+            <a:pPr lvl="0">
+              <a:lnSpc>
+                <a:spcPct val="130000"/>
+              </a:lnSpc>
+              <a:buFont typeface="Wingdings" charset="2"/>
+              <a:buChar char="Ø"/>
+            </a:pPr>
+            <a:endParaRPr lang="en-US" altLang="zh-CN" sz="2000" dirty="0"/>
+          </a:p>
+          <a:p>
+            <a:pPr lvl="0">
+              <a:lnSpc>
+                <a:spcPct val="130000"/>
+              </a:lnSpc>
+            </a:pPr>
+            <a:r>
+              <a:rPr lang="zh-CN" altLang="en-US" sz="2000" dirty="0"/>
+              <a:t>循环</a:t>
+            </a:r>
+            <a:r>
+              <a:rPr lang="en-US" altLang="zh-CN" sz="2000" dirty="0">
+                <a:solidFill>
+                  <a:srgbClr val="AA0D91"/>
+                </a:solidFill>
+                <a:latin typeface="Menlo-Regular"/>
+              </a:rPr>
+              <a:t>retain</a:t>
+            </a:r>
+            <a:r>
+              <a:rPr lang="zh-CN" altLang="en-US" sz="2000" dirty="0"/>
+              <a:t>的解决方案</a:t>
+            </a:r>
+            <a:endParaRPr lang="en-US" altLang="zh-CN" sz="2000" dirty="0"/>
+          </a:p>
+          <a:p>
+            <a:pPr>
+              <a:lnSpc>
+                <a:spcPct val="130000"/>
+              </a:lnSpc>
+              <a:buFont typeface="Wingdings" charset="2"/>
+              <a:buChar char="Ø"/>
+            </a:pPr>
+            <a:r>
+              <a:rPr lang="zh-CN" altLang="zh-CN" sz="2000" dirty="0"/>
+              <a:t>当两端互相引用时，应该一端用</a:t>
+            </a:r>
+            <a:r>
+              <a:rPr lang="en-US" altLang="zh-CN" sz="2000" dirty="0">
+                <a:solidFill>
+                  <a:srgbClr val="AA0D91"/>
+                </a:solidFill>
+                <a:latin typeface="Menlo-Regular"/>
+              </a:rPr>
+              <a:t>retain</a:t>
+            </a:r>
+            <a:r>
+              <a:rPr lang="zh-CN" altLang="zh-CN" sz="2000" dirty="0"/>
+              <a:t>、一端用</a:t>
+            </a:r>
+            <a:r>
+              <a:rPr lang="en-US" altLang="zh-CN" sz="2000" dirty="0">
+                <a:solidFill>
+                  <a:srgbClr val="AA0D91"/>
+                </a:solidFill>
+                <a:latin typeface="Menlo-Regular"/>
+              </a:rPr>
+              <a:t>assign</a:t>
+            </a:r>
+            <a:endParaRPr lang="en-US" altLang="zh-CN" sz="2000" dirty="0">
+              <a:solidFill>
+                <a:srgbClr val="AA0D91"/>
+              </a:solidFill>
+              <a:latin typeface="Menlo-Regular"/>
+            </a:endParaRPr>
+          </a:p>
+        </p:txBody>
+      </p:sp>
+    </p:spTree>
+    <p:extLst>
+      <p:ext uri="{BB962C8B-B14F-4D97-AF65-F5344CB8AC3E}">
+        <p14:creationId xmlns:p14="http://schemas.microsoft.com/office/powerpoint/2010/main" val="2655397566"/>
       </p:ext>
     </p:extLst>
   </p:cSld>
